--- a/PPT/Class period 9.pptx
+++ b/PPT/Class period 9.pptx
@@ -205,9 +205,9 @@
             </a:lvl1pPr>
           </a:lstStyle>
           <a:p>
-            <a:fld id="{50CD774C-9AF5-4920-A8BB-D3B2AA4C49D1}" type="datetimeFigureOut">
+            <a:fld id="{62B5C61D-8A76-40BB-B117-1AA8432408DD}" type="datetimeFigureOut">
               <a:rPr lang="en-US" smtClean="0"/>
-              <a:t>4/20/2024</a:t>
+              <a:t>5/15/2024</a:t>
             </a:fld>
             <a:endParaRPr lang="en-US"/>
           </a:p>
@@ -363,7 +363,7 @@
             </a:lvl1pPr>
           </a:lstStyle>
           <a:p>
-            <a:fld id="{1E54CDA0-68AB-4917-B835-80477EC2DA0C}" type="slidenum">
+            <a:fld id="{2C092149-B850-4A92-8E2A-27C879968B7D}" type="slidenum">
               <a:rPr lang="en-US" smtClean="0"/>
               <a:t>‹#›</a:t>
             </a:fld>
@@ -374,7 +374,7 @@
     </p:spTree>
     <p:extLst>
       <p:ext uri="{BB962C8B-B14F-4D97-AF65-F5344CB8AC3E}">
-        <p14:creationId xmlns:p14="http://schemas.microsoft.com/office/powerpoint/2010/main" val="819606205"/>
+        <p14:creationId xmlns:p14="http://schemas.microsoft.com/office/powerpoint/2010/main" val="1766917511"/>
       </p:ext>
     </p:extLst>
   </p:cSld>
@@ -916,7 +916,7 @@
           <p:cNvPr id="2" name="Title 1">
             <a:extLst>
               <a:ext uri="{FF2B5EF4-FFF2-40B4-BE49-F238E27FC236}">
-                <a16:creationId xmlns:a16="http://schemas.microsoft.com/office/drawing/2014/main" id="{B7D52ECD-C712-DD72-01A6-7DDB6E9D5C8C}"/>
+                <a16:creationId xmlns:a16="http://schemas.microsoft.com/office/drawing/2014/main" id="{8371E218-3F1F-1D56-D85E-A4E2CEB191D2}"/>
               </a:ext>
             </a:extLst>
           </p:cNvPr>
@@ -953,7 +953,7 @@
           <p:cNvPr id="3" name="Subtitle 2">
             <a:extLst>
               <a:ext uri="{FF2B5EF4-FFF2-40B4-BE49-F238E27FC236}">
-                <a16:creationId xmlns:a16="http://schemas.microsoft.com/office/drawing/2014/main" id="{C3F07E01-9B28-4AD1-8D2A-CAB320E815EB}"/>
+                <a16:creationId xmlns:a16="http://schemas.microsoft.com/office/drawing/2014/main" id="{8B43C032-F31F-4723-0011-8E2733A3574C}"/>
               </a:ext>
             </a:extLst>
           </p:cNvPr>
@@ -1023,7 +1023,7 @@
           <p:cNvPr id="4" name="Date Placeholder 3">
             <a:extLst>
               <a:ext uri="{FF2B5EF4-FFF2-40B4-BE49-F238E27FC236}">
-                <a16:creationId xmlns:a16="http://schemas.microsoft.com/office/drawing/2014/main" id="{6FE803C2-1275-A65E-96CD-E76085734DC5}"/>
+                <a16:creationId xmlns:a16="http://schemas.microsoft.com/office/drawing/2014/main" id="{4F07A621-0CFD-87DE-3F28-0241C33ED7C1}"/>
               </a:ext>
             </a:extLst>
           </p:cNvPr>
@@ -1039,9 +1039,9 @@
           <a:bodyPr/>
           <a:lstStyle/>
           <a:p>
-            <a:fld id="{050D02EF-293E-459A-B8D3-323235E6EFDE}" type="datetimeFigureOut">
+            <a:fld id="{96B837DD-9EA0-460C-86A5-7572E989CAF7}" type="datetimeFigureOut">
               <a:rPr lang="en-US" smtClean="0"/>
-              <a:t>4/20/2024</a:t>
+              <a:t>5/15/2024</a:t>
             </a:fld>
             <a:endParaRPr lang="en-US"/>
           </a:p>
@@ -1052,7 +1052,7 @@
           <p:cNvPr id="5" name="Footer Placeholder 4">
             <a:extLst>
               <a:ext uri="{FF2B5EF4-FFF2-40B4-BE49-F238E27FC236}">
-                <a16:creationId xmlns:a16="http://schemas.microsoft.com/office/drawing/2014/main" id="{E581B0C6-E031-3FFA-FF54-5CF8C6CB14E6}"/>
+                <a16:creationId xmlns:a16="http://schemas.microsoft.com/office/drawing/2014/main" id="{04D4AD77-2BC9-A08F-590B-6E408F3FF851}"/>
               </a:ext>
             </a:extLst>
           </p:cNvPr>
@@ -1077,7 +1077,7 @@
           <p:cNvPr id="6" name="Slide Number Placeholder 5">
             <a:extLst>
               <a:ext uri="{FF2B5EF4-FFF2-40B4-BE49-F238E27FC236}">
-                <a16:creationId xmlns:a16="http://schemas.microsoft.com/office/drawing/2014/main" id="{C6839D50-F2C9-09FB-46D3-25E59A967375}"/>
+                <a16:creationId xmlns:a16="http://schemas.microsoft.com/office/drawing/2014/main" id="{4CCC07C3-1886-38FC-82D8-761C55A9B8FA}"/>
               </a:ext>
             </a:extLst>
           </p:cNvPr>
@@ -1093,7 +1093,7 @@
           <a:bodyPr/>
           <a:lstStyle/>
           <a:p>
-            <a:fld id="{63FF93AC-FE09-4394-B539-E9D8AD3E21E3}" type="slidenum">
+            <a:fld id="{442D412C-D6D6-4459-AFC1-C5522CCAB6CC}" type="slidenum">
               <a:rPr lang="en-US" smtClean="0"/>
               <a:t>‹#›</a:t>
             </a:fld>
@@ -1104,7 +1104,7 @@
     </p:spTree>
     <p:extLst>
       <p:ext uri="{BB962C8B-B14F-4D97-AF65-F5344CB8AC3E}">
-        <p14:creationId xmlns:p14="http://schemas.microsoft.com/office/powerpoint/2010/main" val="2882230528"/>
+        <p14:creationId xmlns:p14="http://schemas.microsoft.com/office/powerpoint/2010/main" val="3731828712"/>
       </p:ext>
     </p:extLst>
   </p:cSld>
@@ -1136,7 +1136,7 @@
           <p:cNvPr id="2" name="Title 1">
             <a:extLst>
               <a:ext uri="{FF2B5EF4-FFF2-40B4-BE49-F238E27FC236}">
-                <a16:creationId xmlns:a16="http://schemas.microsoft.com/office/drawing/2014/main" id="{B190A81F-D30C-8984-06DC-DBDB5799134B}"/>
+                <a16:creationId xmlns:a16="http://schemas.microsoft.com/office/drawing/2014/main" id="{66162AB4-2AA8-F181-BC82-889FF7D18CA7}"/>
               </a:ext>
             </a:extLst>
           </p:cNvPr>
@@ -1164,7 +1164,7 @@
           <p:cNvPr id="3" name="Vertical Text Placeholder 2">
             <a:extLst>
               <a:ext uri="{FF2B5EF4-FFF2-40B4-BE49-F238E27FC236}">
-                <a16:creationId xmlns:a16="http://schemas.microsoft.com/office/drawing/2014/main" id="{917B059B-C8C6-DB4A-99DA-DBD6ABAB0F57}"/>
+                <a16:creationId xmlns:a16="http://schemas.microsoft.com/office/drawing/2014/main" id="{B62E5C41-ECEA-0CA2-7B18-AB195664F97D}"/>
               </a:ext>
             </a:extLst>
           </p:cNvPr>
@@ -1221,7 +1221,7 @@
           <p:cNvPr id="4" name="Date Placeholder 3">
             <a:extLst>
               <a:ext uri="{FF2B5EF4-FFF2-40B4-BE49-F238E27FC236}">
-                <a16:creationId xmlns:a16="http://schemas.microsoft.com/office/drawing/2014/main" id="{2F1B07CE-C0D0-F7D2-021A-B52FB240918C}"/>
+                <a16:creationId xmlns:a16="http://schemas.microsoft.com/office/drawing/2014/main" id="{947DB680-C6F2-8183-E78E-8270AF6C6470}"/>
               </a:ext>
             </a:extLst>
           </p:cNvPr>
@@ -1237,9 +1237,9 @@
           <a:bodyPr/>
           <a:lstStyle/>
           <a:p>
-            <a:fld id="{050D02EF-293E-459A-B8D3-323235E6EFDE}" type="datetimeFigureOut">
+            <a:fld id="{96B837DD-9EA0-460C-86A5-7572E989CAF7}" type="datetimeFigureOut">
               <a:rPr lang="en-US" smtClean="0"/>
-              <a:t>4/20/2024</a:t>
+              <a:t>5/15/2024</a:t>
             </a:fld>
             <a:endParaRPr lang="en-US"/>
           </a:p>
@@ -1250,7 +1250,7 @@
           <p:cNvPr id="5" name="Footer Placeholder 4">
             <a:extLst>
               <a:ext uri="{FF2B5EF4-FFF2-40B4-BE49-F238E27FC236}">
-                <a16:creationId xmlns:a16="http://schemas.microsoft.com/office/drawing/2014/main" id="{90F753E2-A17C-AFE9-596B-F832D648BF80}"/>
+                <a16:creationId xmlns:a16="http://schemas.microsoft.com/office/drawing/2014/main" id="{0288B14A-D512-3F93-E8A1-06E9487F310B}"/>
               </a:ext>
             </a:extLst>
           </p:cNvPr>
@@ -1275,7 +1275,7 @@
           <p:cNvPr id="6" name="Slide Number Placeholder 5">
             <a:extLst>
               <a:ext uri="{FF2B5EF4-FFF2-40B4-BE49-F238E27FC236}">
-                <a16:creationId xmlns:a16="http://schemas.microsoft.com/office/drawing/2014/main" id="{AD484411-DCC8-3635-014B-AC591FA1BD29}"/>
+                <a16:creationId xmlns:a16="http://schemas.microsoft.com/office/drawing/2014/main" id="{0CE97A30-91E1-232E-A561-B0878484A439}"/>
               </a:ext>
             </a:extLst>
           </p:cNvPr>
@@ -1291,7 +1291,7 @@
           <a:bodyPr/>
           <a:lstStyle/>
           <a:p>
-            <a:fld id="{63FF93AC-FE09-4394-B539-E9D8AD3E21E3}" type="slidenum">
+            <a:fld id="{442D412C-D6D6-4459-AFC1-C5522CCAB6CC}" type="slidenum">
               <a:rPr lang="en-US" smtClean="0"/>
               <a:t>‹#›</a:t>
             </a:fld>
@@ -1302,7 +1302,7 @@
     </p:spTree>
     <p:extLst>
       <p:ext uri="{BB962C8B-B14F-4D97-AF65-F5344CB8AC3E}">
-        <p14:creationId xmlns:p14="http://schemas.microsoft.com/office/powerpoint/2010/main" val="2077507891"/>
+        <p14:creationId xmlns:p14="http://schemas.microsoft.com/office/powerpoint/2010/main" val="640459209"/>
       </p:ext>
     </p:extLst>
   </p:cSld>
@@ -1334,7 +1334,7 @@
           <p:cNvPr id="2" name="Vertical Title 1">
             <a:extLst>
               <a:ext uri="{FF2B5EF4-FFF2-40B4-BE49-F238E27FC236}">
-                <a16:creationId xmlns:a16="http://schemas.microsoft.com/office/drawing/2014/main" id="{7B072F47-070F-0265-0757-7C0062EC4C13}"/>
+                <a16:creationId xmlns:a16="http://schemas.microsoft.com/office/drawing/2014/main" id="{16784B04-EB5B-046A-5ECD-22C8EBE61732}"/>
               </a:ext>
             </a:extLst>
           </p:cNvPr>
@@ -1367,7 +1367,7 @@
           <p:cNvPr id="3" name="Vertical Text Placeholder 2">
             <a:extLst>
               <a:ext uri="{FF2B5EF4-FFF2-40B4-BE49-F238E27FC236}">
-                <a16:creationId xmlns:a16="http://schemas.microsoft.com/office/drawing/2014/main" id="{FD8FDC4C-CB0C-A8F8-8DBD-93C43BAEA478}"/>
+                <a16:creationId xmlns:a16="http://schemas.microsoft.com/office/drawing/2014/main" id="{F3194A13-20EB-A014-E225-D83FFCC09F55}"/>
               </a:ext>
             </a:extLst>
           </p:cNvPr>
@@ -1429,7 +1429,7 @@
           <p:cNvPr id="4" name="Date Placeholder 3">
             <a:extLst>
               <a:ext uri="{FF2B5EF4-FFF2-40B4-BE49-F238E27FC236}">
-                <a16:creationId xmlns:a16="http://schemas.microsoft.com/office/drawing/2014/main" id="{C29D9C34-E83C-B998-C84A-61A647D5BB1A}"/>
+                <a16:creationId xmlns:a16="http://schemas.microsoft.com/office/drawing/2014/main" id="{A07665A0-6F42-5222-282C-2849EA8EED1F}"/>
               </a:ext>
             </a:extLst>
           </p:cNvPr>
@@ -1445,9 +1445,9 @@
           <a:bodyPr/>
           <a:lstStyle/>
           <a:p>
-            <a:fld id="{050D02EF-293E-459A-B8D3-323235E6EFDE}" type="datetimeFigureOut">
+            <a:fld id="{96B837DD-9EA0-460C-86A5-7572E989CAF7}" type="datetimeFigureOut">
               <a:rPr lang="en-US" smtClean="0"/>
-              <a:t>4/20/2024</a:t>
+              <a:t>5/15/2024</a:t>
             </a:fld>
             <a:endParaRPr lang="en-US"/>
           </a:p>
@@ -1458,7 +1458,7 @@
           <p:cNvPr id="5" name="Footer Placeholder 4">
             <a:extLst>
               <a:ext uri="{FF2B5EF4-FFF2-40B4-BE49-F238E27FC236}">
-                <a16:creationId xmlns:a16="http://schemas.microsoft.com/office/drawing/2014/main" id="{6081A2E1-AED4-DB7A-4379-481376BBA00D}"/>
+                <a16:creationId xmlns:a16="http://schemas.microsoft.com/office/drawing/2014/main" id="{5D57944A-A1F2-68BF-4B7A-9C8C351C6445}"/>
               </a:ext>
             </a:extLst>
           </p:cNvPr>
@@ -1483,7 +1483,7 @@
           <p:cNvPr id="6" name="Slide Number Placeholder 5">
             <a:extLst>
               <a:ext uri="{FF2B5EF4-FFF2-40B4-BE49-F238E27FC236}">
-                <a16:creationId xmlns:a16="http://schemas.microsoft.com/office/drawing/2014/main" id="{613519FD-402D-913D-AA56-D3C037E10C8F}"/>
+                <a16:creationId xmlns:a16="http://schemas.microsoft.com/office/drawing/2014/main" id="{DDBF917F-C4E0-3B5E-DD67-01EE2D915621}"/>
               </a:ext>
             </a:extLst>
           </p:cNvPr>
@@ -1499,7 +1499,7 @@
           <a:bodyPr/>
           <a:lstStyle/>
           <a:p>
-            <a:fld id="{63FF93AC-FE09-4394-B539-E9D8AD3E21E3}" type="slidenum">
+            <a:fld id="{442D412C-D6D6-4459-AFC1-C5522CCAB6CC}" type="slidenum">
               <a:rPr lang="en-US" smtClean="0"/>
               <a:t>‹#›</a:t>
             </a:fld>
@@ -1510,7 +1510,7 @@
     </p:spTree>
     <p:extLst>
       <p:ext uri="{BB962C8B-B14F-4D97-AF65-F5344CB8AC3E}">
-        <p14:creationId xmlns:p14="http://schemas.microsoft.com/office/powerpoint/2010/main" val="3944227090"/>
+        <p14:creationId xmlns:p14="http://schemas.microsoft.com/office/powerpoint/2010/main" val="2472859603"/>
       </p:ext>
     </p:extLst>
   </p:cSld>
@@ -1542,7 +1542,7 @@
           <p:cNvPr id="2" name="Title 1">
             <a:extLst>
               <a:ext uri="{FF2B5EF4-FFF2-40B4-BE49-F238E27FC236}">
-                <a16:creationId xmlns:a16="http://schemas.microsoft.com/office/drawing/2014/main" id="{E96A3B68-D574-4DBD-02DA-57896FF9ACA9}"/>
+                <a16:creationId xmlns:a16="http://schemas.microsoft.com/office/drawing/2014/main" id="{E4E870EE-9B4B-1770-11CE-8CC39C5B79F7}"/>
               </a:ext>
             </a:extLst>
           </p:cNvPr>
@@ -1570,7 +1570,7 @@
           <p:cNvPr id="3" name="Content Placeholder 2">
             <a:extLst>
               <a:ext uri="{FF2B5EF4-FFF2-40B4-BE49-F238E27FC236}">
-                <a16:creationId xmlns:a16="http://schemas.microsoft.com/office/drawing/2014/main" id="{3DA48E68-B081-C4FB-63A4-CE07A564140F}"/>
+                <a16:creationId xmlns:a16="http://schemas.microsoft.com/office/drawing/2014/main" id="{B301EA15-FD24-3D51-DF0C-FD869FD81484}"/>
               </a:ext>
             </a:extLst>
           </p:cNvPr>
@@ -1627,7 +1627,7 @@
           <p:cNvPr id="4" name="Date Placeholder 3">
             <a:extLst>
               <a:ext uri="{FF2B5EF4-FFF2-40B4-BE49-F238E27FC236}">
-                <a16:creationId xmlns:a16="http://schemas.microsoft.com/office/drawing/2014/main" id="{89B64E75-26BB-9231-1193-A56EDB171A16}"/>
+                <a16:creationId xmlns:a16="http://schemas.microsoft.com/office/drawing/2014/main" id="{080C10C3-A7EA-C0E0-1A18-8F7094042017}"/>
               </a:ext>
             </a:extLst>
           </p:cNvPr>
@@ -1643,9 +1643,9 @@
           <a:bodyPr/>
           <a:lstStyle/>
           <a:p>
-            <a:fld id="{050D02EF-293E-459A-B8D3-323235E6EFDE}" type="datetimeFigureOut">
+            <a:fld id="{96B837DD-9EA0-460C-86A5-7572E989CAF7}" type="datetimeFigureOut">
               <a:rPr lang="en-US" smtClean="0"/>
-              <a:t>4/20/2024</a:t>
+              <a:t>5/15/2024</a:t>
             </a:fld>
             <a:endParaRPr lang="en-US"/>
           </a:p>
@@ -1656,7 +1656,7 @@
           <p:cNvPr id="5" name="Footer Placeholder 4">
             <a:extLst>
               <a:ext uri="{FF2B5EF4-FFF2-40B4-BE49-F238E27FC236}">
-                <a16:creationId xmlns:a16="http://schemas.microsoft.com/office/drawing/2014/main" id="{2DED5BA1-533B-649A-B093-B603C2F0E39E}"/>
+                <a16:creationId xmlns:a16="http://schemas.microsoft.com/office/drawing/2014/main" id="{84E81D8A-EEA3-0C70-580C-291AB9F7CB13}"/>
               </a:ext>
             </a:extLst>
           </p:cNvPr>
@@ -1681,7 +1681,7 @@
           <p:cNvPr id="6" name="Slide Number Placeholder 5">
             <a:extLst>
               <a:ext uri="{FF2B5EF4-FFF2-40B4-BE49-F238E27FC236}">
-                <a16:creationId xmlns:a16="http://schemas.microsoft.com/office/drawing/2014/main" id="{F6CBFF8C-8389-CA68-5ABE-801FCD509BD5}"/>
+                <a16:creationId xmlns:a16="http://schemas.microsoft.com/office/drawing/2014/main" id="{DEFA99AC-5C9B-AE4A-D1E1-40029EAB4957}"/>
               </a:ext>
             </a:extLst>
           </p:cNvPr>
@@ -1697,7 +1697,7 @@
           <a:bodyPr/>
           <a:lstStyle/>
           <a:p>
-            <a:fld id="{63FF93AC-FE09-4394-B539-E9D8AD3E21E3}" type="slidenum">
+            <a:fld id="{442D412C-D6D6-4459-AFC1-C5522CCAB6CC}" type="slidenum">
               <a:rPr lang="en-US" smtClean="0"/>
               <a:t>‹#›</a:t>
             </a:fld>
@@ -1708,7 +1708,7 @@
     </p:spTree>
     <p:extLst>
       <p:ext uri="{BB962C8B-B14F-4D97-AF65-F5344CB8AC3E}">
-        <p14:creationId xmlns:p14="http://schemas.microsoft.com/office/powerpoint/2010/main" val="3908327436"/>
+        <p14:creationId xmlns:p14="http://schemas.microsoft.com/office/powerpoint/2010/main" val="3716710859"/>
       </p:ext>
     </p:extLst>
   </p:cSld>
@@ -1740,7 +1740,7 @@
           <p:cNvPr id="2" name="Title 1">
             <a:extLst>
               <a:ext uri="{FF2B5EF4-FFF2-40B4-BE49-F238E27FC236}">
-                <a16:creationId xmlns:a16="http://schemas.microsoft.com/office/drawing/2014/main" id="{4A6A17E5-CD23-717C-C866-71E200108BE0}"/>
+                <a16:creationId xmlns:a16="http://schemas.microsoft.com/office/drawing/2014/main" id="{EF0DDFD7-D835-E0CB-2F32-079390D88550}"/>
               </a:ext>
             </a:extLst>
           </p:cNvPr>
@@ -1777,7 +1777,7 @@
           <p:cNvPr id="3" name="Text Placeholder 2">
             <a:extLst>
               <a:ext uri="{FF2B5EF4-FFF2-40B4-BE49-F238E27FC236}">
-                <a16:creationId xmlns:a16="http://schemas.microsoft.com/office/drawing/2014/main" id="{DE07D917-18B0-09B1-DDAF-B39E9083DA36}"/>
+                <a16:creationId xmlns:a16="http://schemas.microsoft.com/office/drawing/2014/main" id="{63F641B2-DA50-4668-EE9C-FB8AC9C20277}"/>
               </a:ext>
             </a:extLst>
           </p:cNvPr>
@@ -1902,7 +1902,7 @@
           <p:cNvPr id="4" name="Date Placeholder 3">
             <a:extLst>
               <a:ext uri="{FF2B5EF4-FFF2-40B4-BE49-F238E27FC236}">
-                <a16:creationId xmlns:a16="http://schemas.microsoft.com/office/drawing/2014/main" id="{0C33EB0E-581A-7C7F-3764-49B695FD772C}"/>
+                <a16:creationId xmlns:a16="http://schemas.microsoft.com/office/drawing/2014/main" id="{DD2FFE2D-43CB-1088-8247-CCDC333E11F4}"/>
               </a:ext>
             </a:extLst>
           </p:cNvPr>
@@ -1918,9 +1918,9 @@
           <a:bodyPr/>
           <a:lstStyle/>
           <a:p>
-            <a:fld id="{050D02EF-293E-459A-B8D3-323235E6EFDE}" type="datetimeFigureOut">
+            <a:fld id="{96B837DD-9EA0-460C-86A5-7572E989CAF7}" type="datetimeFigureOut">
               <a:rPr lang="en-US" smtClean="0"/>
-              <a:t>4/20/2024</a:t>
+              <a:t>5/15/2024</a:t>
             </a:fld>
             <a:endParaRPr lang="en-US"/>
           </a:p>
@@ -1931,7 +1931,7 @@
           <p:cNvPr id="5" name="Footer Placeholder 4">
             <a:extLst>
               <a:ext uri="{FF2B5EF4-FFF2-40B4-BE49-F238E27FC236}">
-                <a16:creationId xmlns:a16="http://schemas.microsoft.com/office/drawing/2014/main" id="{CEC82770-B057-A432-7F10-DB40BD08CC3C}"/>
+                <a16:creationId xmlns:a16="http://schemas.microsoft.com/office/drawing/2014/main" id="{8C02DEA7-D960-083F-F180-6E97D2A3B772}"/>
               </a:ext>
             </a:extLst>
           </p:cNvPr>
@@ -1956,7 +1956,7 @@
           <p:cNvPr id="6" name="Slide Number Placeholder 5">
             <a:extLst>
               <a:ext uri="{FF2B5EF4-FFF2-40B4-BE49-F238E27FC236}">
-                <a16:creationId xmlns:a16="http://schemas.microsoft.com/office/drawing/2014/main" id="{B8C344AA-0977-F4EA-6E0B-D95FE737D204}"/>
+                <a16:creationId xmlns:a16="http://schemas.microsoft.com/office/drawing/2014/main" id="{363369AE-707D-CF1F-BA01-111233C6C616}"/>
               </a:ext>
             </a:extLst>
           </p:cNvPr>
@@ -1972,7 +1972,7 @@
           <a:bodyPr/>
           <a:lstStyle/>
           <a:p>
-            <a:fld id="{63FF93AC-FE09-4394-B539-E9D8AD3E21E3}" type="slidenum">
+            <a:fld id="{442D412C-D6D6-4459-AFC1-C5522CCAB6CC}" type="slidenum">
               <a:rPr lang="en-US" smtClean="0"/>
               <a:t>‹#›</a:t>
             </a:fld>
@@ -1983,7 +1983,7 @@
     </p:spTree>
     <p:extLst>
       <p:ext uri="{BB962C8B-B14F-4D97-AF65-F5344CB8AC3E}">
-        <p14:creationId xmlns:p14="http://schemas.microsoft.com/office/powerpoint/2010/main" val="806797733"/>
+        <p14:creationId xmlns:p14="http://schemas.microsoft.com/office/powerpoint/2010/main" val="2708110169"/>
       </p:ext>
     </p:extLst>
   </p:cSld>
@@ -2015,7 +2015,7 @@
           <p:cNvPr id="2" name="Title 1">
             <a:extLst>
               <a:ext uri="{FF2B5EF4-FFF2-40B4-BE49-F238E27FC236}">
-                <a16:creationId xmlns:a16="http://schemas.microsoft.com/office/drawing/2014/main" id="{9BE007EB-2F30-E7AA-A126-6D96E87D2AB1}"/>
+                <a16:creationId xmlns:a16="http://schemas.microsoft.com/office/drawing/2014/main" id="{9C585E53-9B9C-E905-1BE1-584AE7B4B72B}"/>
               </a:ext>
             </a:extLst>
           </p:cNvPr>
@@ -2043,7 +2043,7 @@
           <p:cNvPr id="3" name="Content Placeholder 2">
             <a:extLst>
               <a:ext uri="{FF2B5EF4-FFF2-40B4-BE49-F238E27FC236}">
-                <a16:creationId xmlns:a16="http://schemas.microsoft.com/office/drawing/2014/main" id="{3B52331E-38C8-458A-2B09-56A1B6C9A092}"/>
+                <a16:creationId xmlns:a16="http://schemas.microsoft.com/office/drawing/2014/main" id="{AEBEB909-949D-06D7-0C06-1792AA258BC0}"/>
               </a:ext>
             </a:extLst>
           </p:cNvPr>
@@ -2105,7 +2105,7 @@
           <p:cNvPr id="4" name="Content Placeholder 3">
             <a:extLst>
               <a:ext uri="{FF2B5EF4-FFF2-40B4-BE49-F238E27FC236}">
-                <a16:creationId xmlns:a16="http://schemas.microsoft.com/office/drawing/2014/main" id="{B153DF18-7EFA-B0B7-F318-32FF3E689831}"/>
+                <a16:creationId xmlns:a16="http://schemas.microsoft.com/office/drawing/2014/main" id="{ED7A669B-CF71-665D-4213-3AA440370B59}"/>
               </a:ext>
             </a:extLst>
           </p:cNvPr>
@@ -2167,7 +2167,7 @@
           <p:cNvPr id="5" name="Date Placeholder 4">
             <a:extLst>
               <a:ext uri="{FF2B5EF4-FFF2-40B4-BE49-F238E27FC236}">
-                <a16:creationId xmlns:a16="http://schemas.microsoft.com/office/drawing/2014/main" id="{DBA9F038-74F4-7313-8D1A-100B95273FAE}"/>
+                <a16:creationId xmlns:a16="http://schemas.microsoft.com/office/drawing/2014/main" id="{3E53EA96-CE19-EB81-BAA6-6ECDEBF4A175}"/>
               </a:ext>
             </a:extLst>
           </p:cNvPr>
@@ -2183,9 +2183,9 @@
           <a:bodyPr/>
           <a:lstStyle/>
           <a:p>
-            <a:fld id="{050D02EF-293E-459A-B8D3-323235E6EFDE}" type="datetimeFigureOut">
+            <a:fld id="{96B837DD-9EA0-460C-86A5-7572E989CAF7}" type="datetimeFigureOut">
               <a:rPr lang="en-US" smtClean="0"/>
-              <a:t>4/20/2024</a:t>
+              <a:t>5/15/2024</a:t>
             </a:fld>
             <a:endParaRPr lang="en-US"/>
           </a:p>
@@ -2196,7 +2196,7 @@
           <p:cNvPr id="6" name="Footer Placeholder 5">
             <a:extLst>
               <a:ext uri="{FF2B5EF4-FFF2-40B4-BE49-F238E27FC236}">
-                <a16:creationId xmlns:a16="http://schemas.microsoft.com/office/drawing/2014/main" id="{DA380BF1-1F25-9D9D-4272-46A2BE916871}"/>
+                <a16:creationId xmlns:a16="http://schemas.microsoft.com/office/drawing/2014/main" id="{E6AE9461-A6A6-4785-1A18-9B2945CAEE20}"/>
               </a:ext>
             </a:extLst>
           </p:cNvPr>
@@ -2221,7 +2221,7 @@
           <p:cNvPr id="7" name="Slide Number Placeholder 6">
             <a:extLst>
               <a:ext uri="{FF2B5EF4-FFF2-40B4-BE49-F238E27FC236}">
-                <a16:creationId xmlns:a16="http://schemas.microsoft.com/office/drawing/2014/main" id="{7A24E481-0D84-0058-0207-0EF081364B36}"/>
+                <a16:creationId xmlns:a16="http://schemas.microsoft.com/office/drawing/2014/main" id="{5A297D99-50F4-90CF-B0B5-B462CA603A80}"/>
               </a:ext>
             </a:extLst>
           </p:cNvPr>
@@ -2237,7 +2237,7 @@
           <a:bodyPr/>
           <a:lstStyle/>
           <a:p>
-            <a:fld id="{63FF93AC-FE09-4394-B539-E9D8AD3E21E3}" type="slidenum">
+            <a:fld id="{442D412C-D6D6-4459-AFC1-C5522CCAB6CC}" type="slidenum">
               <a:rPr lang="en-US" smtClean="0"/>
               <a:t>‹#›</a:t>
             </a:fld>
@@ -2248,7 +2248,7 @@
     </p:spTree>
     <p:extLst>
       <p:ext uri="{BB962C8B-B14F-4D97-AF65-F5344CB8AC3E}">
-        <p14:creationId xmlns:p14="http://schemas.microsoft.com/office/powerpoint/2010/main" val="740517259"/>
+        <p14:creationId xmlns:p14="http://schemas.microsoft.com/office/powerpoint/2010/main" val="1723401612"/>
       </p:ext>
     </p:extLst>
   </p:cSld>
@@ -2280,7 +2280,7 @@
           <p:cNvPr id="2" name="Title 1">
             <a:extLst>
               <a:ext uri="{FF2B5EF4-FFF2-40B4-BE49-F238E27FC236}">
-                <a16:creationId xmlns:a16="http://schemas.microsoft.com/office/drawing/2014/main" id="{9AD2664E-BFF0-8F92-DE08-40FF1EF61CD9}"/>
+                <a16:creationId xmlns:a16="http://schemas.microsoft.com/office/drawing/2014/main" id="{123B1A98-01D3-A33C-832E-F7037B5C7CF3}"/>
               </a:ext>
             </a:extLst>
           </p:cNvPr>
@@ -2313,7 +2313,7 @@
           <p:cNvPr id="3" name="Text Placeholder 2">
             <a:extLst>
               <a:ext uri="{FF2B5EF4-FFF2-40B4-BE49-F238E27FC236}">
-                <a16:creationId xmlns:a16="http://schemas.microsoft.com/office/drawing/2014/main" id="{6952B6EF-B1BC-C167-7818-B71EEAB61F97}"/>
+                <a16:creationId xmlns:a16="http://schemas.microsoft.com/office/drawing/2014/main" id="{3F809D37-8DBA-4EB9-52CD-DDC4DEBC7F96}"/>
               </a:ext>
             </a:extLst>
           </p:cNvPr>
@@ -2384,7 +2384,7 @@
           <p:cNvPr id="4" name="Content Placeholder 3">
             <a:extLst>
               <a:ext uri="{FF2B5EF4-FFF2-40B4-BE49-F238E27FC236}">
-                <a16:creationId xmlns:a16="http://schemas.microsoft.com/office/drawing/2014/main" id="{5660918F-70E7-9572-F1B8-782232E023F5}"/>
+                <a16:creationId xmlns:a16="http://schemas.microsoft.com/office/drawing/2014/main" id="{E1830286-9C4F-3866-D192-2856DDF3B168}"/>
               </a:ext>
             </a:extLst>
           </p:cNvPr>
@@ -2446,7 +2446,7 @@
           <p:cNvPr id="5" name="Text Placeholder 4">
             <a:extLst>
               <a:ext uri="{FF2B5EF4-FFF2-40B4-BE49-F238E27FC236}">
-                <a16:creationId xmlns:a16="http://schemas.microsoft.com/office/drawing/2014/main" id="{F3A9EA66-E3DC-9794-53BE-1892C49BB344}"/>
+                <a16:creationId xmlns:a16="http://schemas.microsoft.com/office/drawing/2014/main" id="{C6A4C35C-33A7-6D23-9EBB-5C35E8F35500}"/>
               </a:ext>
             </a:extLst>
           </p:cNvPr>
@@ -2517,7 +2517,7 @@
           <p:cNvPr id="6" name="Content Placeholder 5">
             <a:extLst>
               <a:ext uri="{FF2B5EF4-FFF2-40B4-BE49-F238E27FC236}">
-                <a16:creationId xmlns:a16="http://schemas.microsoft.com/office/drawing/2014/main" id="{4BC9906E-8579-0630-2A85-2E33ECFCDFC1}"/>
+                <a16:creationId xmlns:a16="http://schemas.microsoft.com/office/drawing/2014/main" id="{9D28097F-FC84-3E29-5FAC-363E5B417918}"/>
               </a:ext>
             </a:extLst>
           </p:cNvPr>
@@ -2579,7 +2579,7 @@
           <p:cNvPr id="7" name="Date Placeholder 6">
             <a:extLst>
               <a:ext uri="{FF2B5EF4-FFF2-40B4-BE49-F238E27FC236}">
-                <a16:creationId xmlns:a16="http://schemas.microsoft.com/office/drawing/2014/main" id="{D79029BA-57DB-0FEE-66CF-4A6BDF4B05CA}"/>
+                <a16:creationId xmlns:a16="http://schemas.microsoft.com/office/drawing/2014/main" id="{978D84AA-3B04-4EBB-6F77-8D8736CEB6FA}"/>
               </a:ext>
             </a:extLst>
           </p:cNvPr>
@@ -2595,9 +2595,9 @@
           <a:bodyPr/>
           <a:lstStyle/>
           <a:p>
-            <a:fld id="{050D02EF-293E-459A-B8D3-323235E6EFDE}" type="datetimeFigureOut">
+            <a:fld id="{96B837DD-9EA0-460C-86A5-7572E989CAF7}" type="datetimeFigureOut">
               <a:rPr lang="en-US" smtClean="0"/>
-              <a:t>4/20/2024</a:t>
+              <a:t>5/15/2024</a:t>
             </a:fld>
             <a:endParaRPr lang="en-US"/>
           </a:p>
@@ -2608,7 +2608,7 @@
           <p:cNvPr id="8" name="Footer Placeholder 7">
             <a:extLst>
               <a:ext uri="{FF2B5EF4-FFF2-40B4-BE49-F238E27FC236}">
-                <a16:creationId xmlns:a16="http://schemas.microsoft.com/office/drawing/2014/main" id="{0D6FFEF4-D7AD-0F44-BC53-F551A6406F58}"/>
+                <a16:creationId xmlns:a16="http://schemas.microsoft.com/office/drawing/2014/main" id="{5807F4E0-DF0F-3073-A034-617AD9B23746}"/>
               </a:ext>
             </a:extLst>
           </p:cNvPr>
@@ -2633,7 +2633,7 @@
           <p:cNvPr id="9" name="Slide Number Placeholder 8">
             <a:extLst>
               <a:ext uri="{FF2B5EF4-FFF2-40B4-BE49-F238E27FC236}">
-                <a16:creationId xmlns:a16="http://schemas.microsoft.com/office/drawing/2014/main" id="{C5DC2222-A08E-A0F5-92C7-FDA73CB7BF95}"/>
+                <a16:creationId xmlns:a16="http://schemas.microsoft.com/office/drawing/2014/main" id="{88182A08-65EA-F304-510D-F356A7A18FBB}"/>
               </a:ext>
             </a:extLst>
           </p:cNvPr>
@@ -2649,7 +2649,7 @@
           <a:bodyPr/>
           <a:lstStyle/>
           <a:p>
-            <a:fld id="{63FF93AC-FE09-4394-B539-E9D8AD3E21E3}" type="slidenum">
+            <a:fld id="{442D412C-D6D6-4459-AFC1-C5522CCAB6CC}" type="slidenum">
               <a:rPr lang="en-US" smtClean="0"/>
               <a:t>‹#›</a:t>
             </a:fld>
@@ -2660,7 +2660,7 @@
     </p:spTree>
     <p:extLst>
       <p:ext uri="{BB962C8B-B14F-4D97-AF65-F5344CB8AC3E}">
-        <p14:creationId xmlns:p14="http://schemas.microsoft.com/office/powerpoint/2010/main" val="1836789262"/>
+        <p14:creationId xmlns:p14="http://schemas.microsoft.com/office/powerpoint/2010/main" val="2938710359"/>
       </p:ext>
     </p:extLst>
   </p:cSld>
@@ -2692,7 +2692,7 @@
           <p:cNvPr id="2" name="Title 1">
             <a:extLst>
               <a:ext uri="{FF2B5EF4-FFF2-40B4-BE49-F238E27FC236}">
-                <a16:creationId xmlns:a16="http://schemas.microsoft.com/office/drawing/2014/main" id="{DC1C69AD-0952-8D0E-2030-DA068CBC2006}"/>
+                <a16:creationId xmlns:a16="http://schemas.microsoft.com/office/drawing/2014/main" id="{8AD16A33-B1F1-C882-5365-A703C9934FB2}"/>
               </a:ext>
             </a:extLst>
           </p:cNvPr>
@@ -2720,7 +2720,7 @@
           <p:cNvPr id="3" name="Date Placeholder 2">
             <a:extLst>
               <a:ext uri="{FF2B5EF4-FFF2-40B4-BE49-F238E27FC236}">
-                <a16:creationId xmlns:a16="http://schemas.microsoft.com/office/drawing/2014/main" id="{77688F6D-B08E-2784-E7C6-EE75B1976CE4}"/>
+                <a16:creationId xmlns:a16="http://schemas.microsoft.com/office/drawing/2014/main" id="{0444DC54-F299-A57B-1F2E-FD0ABE85CE8A}"/>
               </a:ext>
             </a:extLst>
           </p:cNvPr>
@@ -2736,9 +2736,9 @@
           <a:bodyPr/>
           <a:lstStyle/>
           <a:p>
-            <a:fld id="{050D02EF-293E-459A-B8D3-323235E6EFDE}" type="datetimeFigureOut">
+            <a:fld id="{96B837DD-9EA0-460C-86A5-7572E989CAF7}" type="datetimeFigureOut">
               <a:rPr lang="en-US" smtClean="0"/>
-              <a:t>4/20/2024</a:t>
+              <a:t>5/15/2024</a:t>
             </a:fld>
             <a:endParaRPr lang="en-US"/>
           </a:p>
@@ -2749,7 +2749,7 @@
           <p:cNvPr id="4" name="Footer Placeholder 3">
             <a:extLst>
               <a:ext uri="{FF2B5EF4-FFF2-40B4-BE49-F238E27FC236}">
-                <a16:creationId xmlns:a16="http://schemas.microsoft.com/office/drawing/2014/main" id="{0A86AE42-0045-2B52-7F6C-7DE9906688AE}"/>
+                <a16:creationId xmlns:a16="http://schemas.microsoft.com/office/drawing/2014/main" id="{6EC97330-63EC-9F7F-0562-CFF9AAB9FAB0}"/>
               </a:ext>
             </a:extLst>
           </p:cNvPr>
@@ -2774,7 +2774,7 @@
           <p:cNvPr id="5" name="Slide Number Placeholder 4">
             <a:extLst>
               <a:ext uri="{FF2B5EF4-FFF2-40B4-BE49-F238E27FC236}">
-                <a16:creationId xmlns:a16="http://schemas.microsoft.com/office/drawing/2014/main" id="{A597C09D-411C-C274-0265-ECF07B1C644B}"/>
+                <a16:creationId xmlns:a16="http://schemas.microsoft.com/office/drawing/2014/main" id="{A570045C-8CBE-8D8D-C1AC-C9D7EB23DAE3}"/>
               </a:ext>
             </a:extLst>
           </p:cNvPr>
@@ -2790,7 +2790,7 @@
           <a:bodyPr/>
           <a:lstStyle/>
           <a:p>
-            <a:fld id="{63FF93AC-FE09-4394-B539-E9D8AD3E21E3}" type="slidenum">
+            <a:fld id="{442D412C-D6D6-4459-AFC1-C5522CCAB6CC}" type="slidenum">
               <a:rPr lang="en-US" smtClean="0"/>
               <a:t>‹#›</a:t>
             </a:fld>
@@ -2801,7 +2801,7 @@
     </p:spTree>
     <p:extLst>
       <p:ext uri="{BB962C8B-B14F-4D97-AF65-F5344CB8AC3E}">
-        <p14:creationId xmlns:p14="http://schemas.microsoft.com/office/powerpoint/2010/main" val="271451249"/>
+        <p14:creationId xmlns:p14="http://schemas.microsoft.com/office/powerpoint/2010/main" val="4193685876"/>
       </p:ext>
     </p:extLst>
   </p:cSld>
@@ -2833,7 +2833,7 @@
           <p:cNvPr id="2" name="Date Placeholder 1">
             <a:extLst>
               <a:ext uri="{FF2B5EF4-FFF2-40B4-BE49-F238E27FC236}">
-                <a16:creationId xmlns:a16="http://schemas.microsoft.com/office/drawing/2014/main" id="{E397A7D6-ADCD-B496-34D5-A1CEF04E471E}"/>
+                <a16:creationId xmlns:a16="http://schemas.microsoft.com/office/drawing/2014/main" id="{E24D7395-B2DA-CC7C-1AE3-B1F06A27DB26}"/>
               </a:ext>
             </a:extLst>
           </p:cNvPr>
@@ -2849,9 +2849,9 @@
           <a:bodyPr/>
           <a:lstStyle/>
           <a:p>
-            <a:fld id="{050D02EF-293E-459A-B8D3-323235E6EFDE}" type="datetimeFigureOut">
+            <a:fld id="{96B837DD-9EA0-460C-86A5-7572E989CAF7}" type="datetimeFigureOut">
               <a:rPr lang="en-US" smtClean="0"/>
-              <a:t>4/20/2024</a:t>
+              <a:t>5/15/2024</a:t>
             </a:fld>
             <a:endParaRPr lang="en-US"/>
           </a:p>
@@ -2862,7 +2862,7 @@
           <p:cNvPr id="3" name="Footer Placeholder 2">
             <a:extLst>
               <a:ext uri="{FF2B5EF4-FFF2-40B4-BE49-F238E27FC236}">
-                <a16:creationId xmlns:a16="http://schemas.microsoft.com/office/drawing/2014/main" id="{6486002E-0ED5-8EFE-C817-E42A2F13DC78}"/>
+                <a16:creationId xmlns:a16="http://schemas.microsoft.com/office/drawing/2014/main" id="{3F151895-3F57-77E0-9A26-7E9A24D59FCF}"/>
               </a:ext>
             </a:extLst>
           </p:cNvPr>
@@ -2887,7 +2887,7 @@
           <p:cNvPr id="4" name="Slide Number Placeholder 3">
             <a:extLst>
               <a:ext uri="{FF2B5EF4-FFF2-40B4-BE49-F238E27FC236}">
-                <a16:creationId xmlns:a16="http://schemas.microsoft.com/office/drawing/2014/main" id="{460351FE-45D1-5A5D-9421-A455D4612A56}"/>
+                <a16:creationId xmlns:a16="http://schemas.microsoft.com/office/drawing/2014/main" id="{193ADF81-3451-3619-0887-B23BC5CC1111}"/>
               </a:ext>
             </a:extLst>
           </p:cNvPr>
@@ -2903,7 +2903,7 @@
           <a:bodyPr/>
           <a:lstStyle/>
           <a:p>
-            <a:fld id="{63FF93AC-FE09-4394-B539-E9D8AD3E21E3}" type="slidenum">
+            <a:fld id="{442D412C-D6D6-4459-AFC1-C5522CCAB6CC}" type="slidenum">
               <a:rPr lang="en-US" smtClean="0"/>
               <a:t>‹#›</a:t>
             </a:fld>
@@ -2914,7 +2914,7 @@
     </p:spTree>
     <p:extLst>
       <p:ext uri="{BB962C8B-B14F-4D97-AF65-F5344CB8AC3E}">
-        <p14:creationId xmlns:p14="http://schemas.microsoft.com/office/powerpoint/2010/main" val="3787803016"/>
+        <p14:creationId xmlns:p14="http://schemas.microsoft.com/office/powerpoint/2010/main" val="575211559"/>
       </p:ext>
     </p:extLst>
   </p:cSld>
@@ -2946,7 +2946,7 @@
           <p:cNvPr id="2" name="Title 1">
             <a:extLst>
               <a:ext uri="{FF2B5EF4-FFF2-40B4-BE49-F238E27FC236}">
-                <a16:creationId xmlns:a16="http://schemas.microsoft.com/office/drawing/2014/main" id="{7F46DF77-D9E5-23EE-8180-AAACA1F3DAF6}"/>
+                <a16:creationId xmlns:a16="http://schemas.microsoft.com/office/drawing/2014/main" id="{60084C1E-CEBC-53D7-41A5-EC10187E3B7F}"/>
               </a:ext>
             </a:extLst>
           </p:cNvPr>
@@ -2983,7 +2983,7 @@
           <p:cNvPr id="3" name="Content Placeholder 2">
             <a:extLst>
               <a:ext uri="{FF2B5EF4-FFF2-40B4-BE49-F238E27FC236}">
-                <a16:creationId xmlns:a16="http://schemas.microsoft.com/office/drawing/2014/main" id="{68FF3DA7-0167-97B5-AFFC-F89BCB9DF94E}"/>
+                <a16:creationId xmlns:a16="http://schemas.microsoft.com/office/drawing/2014/main" id="{2A3D36FF-8F26-35DA-B1A2-A63ECB046859}"/>
               </a:ext>
             </a:extLst>
           </p:cNvPr>
@@ -3073,7 +3073,7 @@
           <p:cNvPr id="4" name="Text Placeholder 3">
             <a:extLst>
               <a:ext uri="{FF2B5EF4-FFF2-40B4-BE49-F238E27FC236}">
-                <a16:creationId xmlns:a16="http://schemas.microsoft.com/office/drawing/2014/main" id="{A9DF4B23-E12A-8D67-AE39-503A30E20960}"/>
+                <a16:creationId xmlns:a16="http://schemas.microsoft.com/office/drawing/2014/main" id="{C6171112-E40D-22B0-151F-5AB8AFDFAB17}"/>
               </a:ext>
             </a:extLst>
           </p:cNvPr>
@@ -3144,7 +3144,7 @@
           <p:cNvPr id="5" name="Date Placeholder 4">
             <a:extLst>
               <a:ext uri="{FF2B5EF4-FFF2-40B4-BE49-F238E27FC236}">
-                <a16:creationId xmlns:a16="http://schemas.microsoft.com/office/drawing/2014/main" id="{C27A04A9-0A45-DA60-879A-9D6CA9DE8F18}"/>
+                <a16:creationId xmlns:a16="http://schemas.microsoft.com/office/drawing/2014/main" id="{4E20417F-0D20-9145-5D7D-B042D711C002}"/>
               </a:ext>
             </a:extLst>
           </p:cNvPr>
@@ -3160,9 +3160,9 @@
           <a:bodyPr/>
           <a:lstStyle/>
           <a:p>
-            <a:fld id="{050D02EF-293E-459A-B8D3-323235E6EFDE}" type="datetimeFigureOut">
+            <a:fld id="{96B837DD-9EA0-460C-86A5-7572E989CAF7}" type="datetimeFigureOut">
               <a:rPr lang="en-US" smtClean="0"/>
-              <a:t>4/20/2024</a:t>
+              <a:t>5/15/2024</a:t>
             </a:fld>
             <a:endParaRPr lang="en-US"/>
           </a:p>
@@ -3173,7 +3173,7 @@
           <p:cNvPr id="6" name="Footer Placeholder 5">
             <a:extLst>
               <a:ext uri="{FF2B5EF4-FFF2-40B4-BE49-F238E27FC236}">
-                <a16:creationId xmlns:a16="http://schemas.microsoft.com/office/drawing/2014/main" id="{9B704121-0C3C-CA21-4DE3-B416F146D3A8}"/>
+                <a16:creationId xmlns:a16="http://schemas.microsoft.com/office/drawing/2014/main" id="{77E4F5DB-9ADF-C0B5-FB87-E578672B34A8}"/>
               </a:ext>
             </a:extLst>
           </p:cNvPr>
@@ -3198,7 +3198,7 @@
           <p:cNvPr id="7" name="Slide Number Placeholder 6">
             <a:extLst>
               <a:ext uri="{FF2B5EF4-FFF2-40B4-BE49-F238E27FC236}">
-                <a16:creationId xmlns:a16="http://schemas.microsoft.com/office/drawing/2014/main" id="{ECF55F45-6516-B364-B264-9B0FDBC1B4F4}"/>
+                <a16:creationId xmlns:a16="http://schemas.microsoft.com/office/drawing/2014/main" id="{4413D2D1-5A8E-2E9B-A19E-AD9BF9D20B06}"/>
               </a:ext>
             </a:extLst>
           </p:cNvPr>
@@ -3214,7 +3214,7 @@
           <a:bodyPr/>
           <a:lstStyle/>
           <a:p>
-            <a:fld id="{63FF93AC-FE09-4394-B539-E9D8AD3E21E3}" type="slidenum">
+            <a:fld id="{442D412C-D6D6-4459-AFC1-C5522CCAB6CC}" type="slidenum">
               <a:rPr lang="en-US" smtClean="0"/>
               <a:t>‹#›</a:t>
             </a:fld>
@@ -3225,7 +3225,7 @@
     </p:spTree>
     <p:extLst>
       <p:ext uri="{BB962C8B-B14F-4D97-AF65-F5344CB8AC3E}">
-        <p14:creationId xmlns:p14="http://schemas.microsoft.com/office/powerpoint/2010/main" val="4038007615"/>
+        <p14:creationId xmlns:p14="http://schemas.microsoft.com/office/powerpoint/2010/main" val="830467236"/>
       </p:ext>
     </p:extLst>
   </p:cSld>
@@ -3257,7 +3257,7 @@
           <p:cNvPr id="2" name="Title 1">
             <a:extLst>
               <a:ext uri="{FF2B5EF4-FFF2-40B4-BE49-F238E27FC236}">
-                <a16:creationId xmlns:a16="http://schemas.microsoft.com/office/drawing/2014/main" id="{E5064979-C01C-4511-AF03-5D465C440BCF}"/>
+                <a16:creationId xmlns:a16="http://schemas.microsoft.com/office/drawing/2014/main" id="{4EB7075E-73E8-37E8-0B4C-12F8BF565BED}"/>
               </a:ext>
             </a:extLst>
           </p:cNvPr>
@@ -3294,7 +3294,7 @@
           <p:cNvPr id="3" name="Picture Placeholder 2">
             <a:extLst>
               <a:ext uri="{FF2B5EF4-FFF2-40B4-BE49-F238E27FC236}">
-                <a16:creationId xmlns:a16="http://schemas.microsoft.com/office/drawing/2014/main" id="{C11EBA7E-03F6-683A-8F28-7D6B420E1399}"/>
+                <a16:creationId xmlns:a16="http://schemas.microsoft.com/office/drawing/2014/main" id="{BD4EF8F3-BD67-15F3-AB28-569131AE3A4E}"/>
               </a:ext>
             </a:extLst>
           </p:cNvPr>
@@ -3361,7 +3361,7 @@
           <p:cNvPr id="4" name="Text Placeholder 3">
             <a:extLst>
               <a:ext uri="{FF2B5EF4-FFF2-40B4-BE49-F238E27FC236}">
-                <a16:creationId xmlns:a16="http://schemas.microsoft.com/office/drawing/2014/main" id="{92A2E168-FE6B-23BF-2A26-81EC1A00A242}"/>
+                <a16:creationId xmlns:a16="http://schemas.microsoft.com/office/drawing/2014/main" id="{62BC0E4A-F635-560C-4E2F-FA177D7CBD84}"/>
               </a:ext>
             </a:extLst>
           </p:cNvPr>
@@ -3432,7 +3432,7 @@
           <p:cNvPr id="5" name="Date Placeholder 4">
             <a:extLst>
               <a:ext uri="{FF2B5EF4-FFF2-40B4-BE49-F238E27FC236}">
-                <a16:creationId xmlns:a16="http://schemas.microsoft.com/office/drawing/2014/main" id="{959E849D-F7FB-35DD-FEB8-E09B47320086}"/>
+                <a16:creationId xmlns:a16="http://schemas.microsoft.com/office/drawing/2014/main" id="{E8EC46BB-A9CE-F67A-B96D-FA535941D1B1}"/>
               </a:ext>
             </a:extLst>
           </p:cNvPr>
@@ -3448,9 +3448,9 @@
           <a:bodyPr/>
           <a:lstStyle/>
           <a:p>
-            <a:fld id="{050D02EF-293E-459A-B8D3-323235E6EFDE}" type="datetimeFigureOut">
+            <a:fld id="{96B837DD-9EA0-460C-86A5-7572E989CAF7}" type="datetimeFigureOut">
               <a:rPr lang="en-US" smtClean="0"/>
-              <a:t>4/20/2024</a:t>
+              <a:t>5/15/2024</a:t>
             </a:fld>
             <a:endParaRPr lang="en-US"/>
           </a:p>
@@ -3461,7 +3461,7 @@
           <p:cNvPr id="6" name="Footer Placeholder 5">
             <a:extLst>
               <a:ext uri="{FF2B5EF4-FFF2-40B4-BE49-F238E27FC236}">
-                <a16:creationId xmlns:a16="http://schemas.microsoft.com/office/drawing/2014/main" id="{7B38533C-84C1-C38C-B2E9-CB10FA6CB41D}"/>
+                <a16:creationId xmlns:a16="http://schemas.microsoft.com/office/drawing/2014/main" id="{006D0980-FAA0-73E1-86AC-9757990B703F}"/>
               </a:ext>
             </a:extLst>
           </p:cNvPr>
@@ -3486,7 +3486,7 @@
           <p:cNvPr id="7" name="Slide Number Placeholder 6">
             <a:extLst>
               <a:ext uri="{FF2B5EF4-FFF2-40B4-BE49-F238E27FC236}">
-                <a16:creationId xmlns:a16="http://schemas.microsoft.com/office/drawing/2014/main" id="{5A95E38F-6E44-F228-3AA1-D60CD6DE2905}"/>
+                <a16:creationId xmlns:a16="http://schemas.microsoft.com/office/drawing/2014/main" id="{FEBE2FAD-DCDA-7F29-2B9B-B103E8E500C0}"/>
               </a:ext>
             </a:extLst>
           </p:cNvPr>
@@ -3502,7 +3502,7 @@
           <a:bodyPr/>
           <a:lstStyle/>
           <a:p>
-            <a:fld id="{63FF93AC-FE09-4394-B539-E9D8AD3E21E3}" type="slidenum">
+            <a:fld id="{442D412C-D6D6-4459-AFC1-C5522CCAB6CC}" type="slidenum">
               <a:rPr lang="en-US" smtClean="0"/>
               <a:t>‹#›</a:t>
             </a:fld>
@@ -3513,7 +3513,7 @@
     </p:spTree>
     <p:extLst>
       <p:ext uri="{BB962C8B-B14F-4D97-AF65-F5344CB8AC3E}">
-        <p14:creationId xmlns:p14="http://schemas.microsoft.com/office/powerpoint/2010/main" val="2022495207"/>
+        <p14:creationId xmlns:p14="http://schemas.microsoft.com/office/powerpoint/2010/main" val="3677767889"/>
       </p:ext>
     </p:extLst>
   </p:cSld>
@@ -3550,7 +3550,7 @@
           <p:cNvPr id="2" name="Title Placeholder 1">
             <a:extLst>
               <a:ext uri="{FF2B5EF4-FFF2-40B4-BE49-F238E27FC236}">
-                <a16:creationId xmlns:a16="http://schemas.microsoft.com/office/drawing/2014/main" id="{D6C3E436-3DAD-2D52-327B-D27AE77B8EF0}"/>
+                <a16:creationId xmlns:a16="http://schemas.microsoft.com/office/drawing/2014/main" id="{6EE97656-5E66-7CE1-0B0C-29BF856F22C0}"/>
               </a:ext>
             </a:extLst>
           </p:cNvPr>
@@ -3588,7 +3588,7 @@
           <p:cNvPr id="3" name="Text Placeholder 2">
             <a:extLst>
               <a:ext uri="{FF2B5EF4-FFF2-40B4-BE49-F238E27FC236}">
-                <a16:creationId xmlns:a16="http://schemas.microsoft.com/office/drawing/2014/main" id="{EB236984-DA64-4CE6-2BDB-E7FC9BDA11FC}"/>
+                <a16:creationId xmlns:a16="http://schemas.microsoft.com/office/drawing/2014/main" id="{06DA79AC-3C9C-3850-14CD-5DFB3A1DC8C4}"/>
               </a:ext>
             </a:extLst>
           </p:cNvPr>
@@ -3655,7 +3655,7 @@
           <p:cNvPr id="4" name="Date Placeholder 3">
             <a:extLst>
               <a:ext uri="{FF2B5EF4-FFF2-40B4-BE49-F238E27FC236}">
-                <a16:creationId xmlns:a16="http://schemas.microsoft.com/office/drawing/2014/main" id="{8EE07284-B58C-BDC8-434C-5BC480A67F0A}"/>
+                <a16:creationId xmlns:a16="http://schemas.microsoft.com/office/drawing/2014/main" id="{68EEEC12-1FB7-0E5A-ACD5-D99C7427EB84}"/>
               </a:ext>
             </a:extLst>
           </p:cNvPr>
@@ -3689,9 +3689,9 @@
             </a:lvl1pPr>
           </a:lstStyle>
           <a:p>
-            <a:fld id="{050D02EF-293E-459A-B8D3-323235E6EFDE}" type="datetimeFigureOut">
+            <a:fld id="{96B837DD-9EA0-460C-86A5-7572E989CAF7}" type="datetimeFigureOut">
               <a:rPr lang="en-US" smtClean="0"/>
-              <a:t>4/20/2024</a:t>
+              <a:t>5/15/2024</a:t>
             </a:fld>
             <a:endParaRPr lang="en-US"/>
           </a:p>
@@ -3702,7 +3702,7 @@
           <p:cNvPr id="5" name="Footer Placeholder 4">
             <a:extLst>
               <a:ext uri="{FF2B5EF4-FFF2-40B4-BE49-F238E27FC236}">
-                <a16:creationId xmlns:a16="http://schemas.microsoft.com/office/drawing/2014/main" id="{EC951DA3-27EC-BD6A-BA87-3B09A3BC97F0}"/>
+                <a16:creationId xmlns:a16="http://schemas.microsoft.com/office/drawing/2014/main" id="{D4227803-1B4E-0EAB-6E7E-02FAE2803525}"/>
               </a:ext>
             </a:extLst>
           </p:cNvPr>
@@ -3745,7 +3745,7 @@
           <p:cNvPr id="6" name="Slide Number Placeholder 5">
             <a:extLst>
               <a:ext uri="{FF2B5EF4-FFF2-40B4-BE49-F238E27FC236}">
-                <a16:creationId xmlns:a16="http://schemas.microsoft.com/office/drawing/2014/main" id="{397D339E-FA2B-9C07-000A-AB3AFE9F7A5D}"/>
+                <a16:creationId xmlns:a16="http://schemas.microsoft.com/office/drawing/2014/main" id="{15C12DFB-6230-F8F9-4C6E-9649DB647FEB}"/>
               </a:ext>
             </a:extLst>
           </p:cNvPr>
@@ -3779,7 +3779,7 @@
             </a:lvl1pPr>
           </a:lstStyle>
           <a:p>
-            <a:fld id="{63FF93AC-FE09-4394-B539-E9D8AD3E21E3}" type="slidenum">
+            <a:fld id="{442D412C-D6D6-4459-AFC1-C5522CCAB6CC}" type="slidenum">
               <a:rPr lang="en-US" smtClean="0"/>
               <a:t>‹#›</a:t>
             </a:fld>
@@ -3790,7 +3790,7 @@
     </p:spTree>
     <p:extLst>
       <p:ext uri="{BB962C8B-B14F-4D97-AF65-F5344CB8AC3E}">
-        <p14:creationId xmlns:p14="http://schemas.microsoft.com/office/powerpoint/2010/main" val="1320372775"/>
+        <p14:creationId xmlns:p14="http://schemas.microsoft.com/office/powerpoint/2010/main" val="3442247001"/>
       </p:ext>
     </p:extLst>
   </p:cSld>
@@ -4311,6 +4311,15 @@
         <p:txBody>
           <a:bodyPr/>
           <a:lstStyle/>
+          <a:p>
+            <a:r>
+              <a:rPr lang="th-TH" dirty="0">
+                <a:latin typeface="TH SarabunPSK" panose="020B0500040200020003" pitchFamily="34" charset="-34"/>
+                <a:cs typeface="TH SarabunPSK" panose="020B0500040200020003" pitchFamily="34" charset="-34"/>
+              </a:rPr>
+              <a:t>บทที่ 5 การเตรียมข้อมูลสำหรับการแสดงผล 2 </a:t>
+            </a:r>
+          </a:p>
           <a:p>
             <a:r>
               <a:rPr lang="en-US" dirty="0">

--- a/PPT/Class period 9.pptx
+++ b/PPT/Class period 9.pptx
@@ -122,6 +122,11 @@
       </a:defRPr>
     </a:lvl9pPr>
   </p:defaultTextStyle>
+  <p:extLst>
+    <p:ext uri="{EFAFB233-063F-42B5-8137-9DF3F51BA10A}">
+      <p15:sldGuideLst xmlns:p15="http://schemas.microsoft.com/office/powerpoint/2012/main"/>
+    </p:ext>
+  </p:extLst>
 </p:presentation>
 </file>
 
@@ -207,7 +212,7 @@
           <a:p>
             <a:fld id="{62B5C61D-8A76-40BB-B117-1AA8432408DD}" type="datetimeFigureOut">
               <a:rPr lang="en-US" smtClean="0"/>
-              <a:t>5/15/2024</a:t>
+              <a:t>6/17/2024</a:t>
             </a:fld>
             <a:endParaRPr lang="en-US"/>
           </a:p>
@@ -1041,7 +1046,7 @@
           <a:p>
             <a:fld id="{96B837DD-9EA0-460C-86A5-7572E989CAF7}" type="datetimeFigureOut">
               <a:rPr lang="en-US" smtClean="0"/>
-              <a:t>5/15/2024</a:t>
+              <a:t>6/17/2024</a:t>
             </a:fld>
             <a:endParaRPr lang="en-US"/>
           </a:p>
@@ -1239,7 +1244,7 @@
           <a:p>
             <a:fld id="{96B837DD-9EA0-460C-86A5-7572E989CAF7}" type="datetimeFigureOut">
               <a:rPr lang="en-US" smtClean="0"/>
-              <a:t>5/15/2024</a:t>
+              <a:t>6/17/2024</a:t>
             </a:fld>
             <a:endParaRPr lang="en-US"/>
           </a:p>
@@ -1447,7 +1452,7 @@
           <a:p>
             <a:fld id="{96B837DD-9EA0-460C-86A5-7572E989CAF7}" type="datetimeFigureOut">
               <a:rPr lang="en-US" smtClean="0"/>
-              <a:t>5/15/2024</a:t>
+              <a:t>6/17/2024</a:t>
             </a:fld>
             <a:endParaRPr lang="en-US"/>
           </a:p>
@@ -1645,7 +1650,7 @@
           <a:p>
             <a:fld id="{96B837DD-9EA0-460C-86A5-7572E989CAF7}" type="datetimeFigureOut">
               <a:rPr lang="en-US" smtClean="0"/>
-              <a:t>5/15/2024</a:t>
+              <a:t>6/17/2024</a:t>
             </a:fld>
             <a:endParaRPr lang="en-US"/>
           </a:p>
@@ -1920,7 +1925,7 @@
           <a:p>
             <a:fld id="{96B837DD-9EA0-460C-86A5-7572E989CAF7}" type="datetimeFigureOut">
               <a:rPr lang="en-US" smtClean="0"/>
-              <a:t>5/15/2024</a:t>
+              <a:t>6/17/2024</a:t>
             </a:fld>
             <a:endParaRPr lang="en-US"/>
           </a:p>
@@ -2185,7 +2190,7 @@
           <a:p>
             <a:fld id="{96B837DD-9EA0-460C-86A5-7572E989CAF7}" type="datetimeFigureOut">
               <a:rPr lang="en-US" smtClean="0"/>
-              <a:t>5/15/2024</a:t>
+              <a:t>6/17/2024</a:t>
             </a:fld>
             <a:endParaRPr lang="en-US"/>
           </a:p>
@@ -2597,7 +2602,7 @@
           <a:p>
             <a:fld id="{96B837DD-9EA0-460C-86A5-7572E989CAF7}" type="datetimeFigureOut">
               <a:rPr lang="en-US" smtClean="0"/>
-              <a:t>5/15/2024</a:t>
+              <a:t>6/17/2024</a:t>
             </a:fld>
             <a:endParaRPr lang="en-US"/>
           </a:p>
@@ -2738,7 +2743,7 @@
           <a:p>
             <a:fld id="{96B837DD-9EA0-460C-86A5-7572E989CAF7}" type="datetimeFigureOut">
               <a:rPr lang="en-US" smtClean="0"/>
-              <a:t>5/15/2024</a:t>
+              <a:t>6/17/2024</a:t>
             </a:fld>
             <a:endParaRPr lang="en-US"/>
           </a:p>
@@ -2851,7 +2856,7 @@
           <a:p>
             <a:fld id="{96B837DD-9EA0-460C-86A5-7572E989CAF7}" type="datetimeFigureOut">
               <a:rPr lang="en-US" smtClean="0"/>
-              <a:t>5/15/2024</a:t>
+              <a:t>6/17/2024</a:t>
             </a:fld>
             <a:endParaRPr lang="en-US"/>
           </a:p>
@@ -3162,7 +3167,7 @@
           <a:p>
             <a:fld id="{96B837DD-9EA0-460C-86A5-7572E989CAF7}" type="datetimeFigureOut">
               <a:rPr lang="en-US" smtClean="0"/>
-              <a:t>5/15/2024</a:t>
+              <a:t>6/17/2024</a:t>
             </a:fld>
             <a:endParaRPr lang="en-US"/>
           </a:p>
@@ -3450,7 +3455,7 @@
           <a:p>
             <a:fld id="{96B837DD-9EA0-460C-86A5-7572E989CAF7}" type="datetimeFigureOut">
               <a:rPr lang="en-US" smtClean="0"/>
-              <a:t>5/15/2024</a:t>
+              <a:t>6/17/2024</a:t>
             </a:fld>
             <a:endParaRPr lang="en-US"/>
           </a:p>
@@ -3691,7 +3696,7 @@
           <a:p>
             <a:fld id="{96B837DD-9EA0-460C-86A5-7572E989CAF7}" type="datetimeFigureOut">
               <a:rPr lang="en-US" smtClean="0"/>
-              <a:t>5/15/2024</a:t>
+              <a:t>6/17/2024</a:t>
             </a:fld>
             <a:endParaRPr lang="en-US"/>
           </a:p>
@@ -4331,6 +4336,73 @@
           </a:p>
         </p:txBody>
       </p:sp>
+      <p:sp>
+        <p:nvSpPr>
+          <p:cNvPr id="7" name="TextBox 6">
+            <a:extLst>
+              <a:ext uri="{FF2B5EF4-FFF2-40B4-BE49-F238E27FC236}">
+                <a16:creationId xmlns:a16="http://schemas.microsoft.com/office/drawing/2014/main" id="{B36B8977-9760-B055-7BC7-F39C1A6F47AA}"/>
+              </a:ext>
+            </a:extLst>
+          </p:cNvPr>
+          <p:cNvSpPr txBox="1"/>
+          <p:nvPr/>
+        </p:nvSpPr>
+        <p:spPr>
+          <a:xfrm>
+            <a:off x="114677" y="6172611"/>
+            <a:ext cx="5532120" cy="461665"/>
+          </a:xfrm>
+          <a:prstGeom prst="rect">
+            <a:avLst/>
+          </a:prstGeom>
+          <a:noFill/>
+        </p:spPr>
+        <p:txBody>
+          <a:bodyPr wrap="square">
+            <a:spAutoFit/>
+          </a:bodyPr>
+          <a:lstStyle/>
+          <a:p>
+            <a:pPr algn="l"/>
+            <a:r>
+              <a:rPr lang="th-TH" sz="2400" dirty="0">
+                <a:latin typeface="TH SarabunPSK" panose="020B0500040200020003" pitchFamily="34" charset="-34"/>
+                <a:cs typeface="TH SarabunPSK" panose="020B0500040200020003" pitchFamily="34" charset="-34"/>
+              </a:rPr>
+              <a:t>โดย ผศ</a:t>
+            </a:r>
+            <a:r>
+              <a:rPr lang="en-US" sz="2400" dirty="0">
+                <a:latin typeface="TH SarabunPSK" panose="020B0500040200020003" pitchFamily="34" charset="-34"/>
+                <a:cs typeface="TH SarabunPSK" panose="020B0500040200020003" pitchFamily="34" charset="-34"/>
+              </a:rPr>
+              <a:t>. </a:t>
+            </a:r>
+            <a:r>
+              <a:rPr lang="th-TH" sz="2400" dirty="0">
+                <a:latin typeface="TH SarabunPSK" panose="020B0500040200020003" pitchFamily="34" charset="-34"/>
+                <a:cs typeface="TH SarabunPSK" panose="020B0500040200020003" pitchFamily="34" charset="-34"/>
+              </a:rPr>
+              <a:t>ดร</a:t>
+            </a:r>
+            <a:r>
+              <a:rPr lang="en-US" sz="2400" dirty="0">
+                <a:latin typeface="TH SarabunPSK" panose="020B0500040200020003" pitchFamily="34" charset="-34"/>
+                <a:cs typeface="TH SarabunPSK" panose="020B0500040200020003" pitchFamily="34" charset="-34"/>
+              </a:rPr>
+              <a:t>.</a:t>
+            </a:r>
+            <a:r>
+              <a:rPr lang="th-TH" sz="2400" dirty="0">
+                <a:latin typeface="TH SarabunPSK" panose="020B0500040200020003" pitchFamily="34" charset="-34"/>
+                <a:cs typeface="TH SarabunPSK" panose="020B0500040200020003" pitchFamily="34" charset="-34"/>
+              </a:rPr>
+              <a:t>ธนพงศ์ อินทระ สาขาวิชาสถิติ มหาวิทยาลัยขอนแก่น </a:t>
+            </a:r>
+          </a:p>
+        </p:txBody>
+      </p:sp>
     </p:spTree>
     <p:extLst>
       <p:ext uri="{BB962C8B-B14F-4D97-AF65-F5344CB8AC3E}">
@@ -5167,6 +5239,73 @@
           </a:p>
         </p:txBody>
       </p:sp>
+      <p:sp>
+        <p:nvSpPr>
+          <p:cNvPr id="9" name="TextBox 8">
+            <a:extLst>
+              <a:ext uri="{FF2B5EF4-FFF2-40B4-BE49-F238E27FC236}">
+                <a16:creationId xmlns:a16="http://schemas.microsoft.com/office/drawing/2014/main" id="{76DCD633-9174-C1D9-0E2D-6696E26F3E22}"/>
+              </a:ext>
+            </a:extLst>
+          </p:cNvPr>
+          <p:cNvSpPr txBox="1"/>
+          <p:nvPr/>
+        </p:nvSpPr>
+        <p:spPr>
+          <a:xfrm>
+            <a:off x="114677" y="6172611"/>
+            <a:ext cx="5532120" cy="461665"/>
+          </a:xfrm>
+          <a:prstGeom prst="rect">
+            <a:avLst/>
+          </a:prstGeom>
+          <a:noFill/>
+        </p:spPr>
+        <p:txBody>
+          <a:bodyPr wrap="square">
+            <a:spAutoFit/>
+          </a:bodyPr>
+          <a:lstStyle/>
+          <a:p>
+            <a:pPr algn="l"/>
+            <a:r>
+              <a:rPr lang="th-TH" sz="2400" dirty="0">
+                <a:latin typeface="TH SarabunPSK" panose="020B0500040200020003" pitchFamily="34" charset="-34"/>
+                <a:cs typeface="TH SarabunPSK" panose="020B0500040200020003" pitchFamily="34" charset="-34"/>
+              </a:rPr>
+              <a:t>โดย ผศ</a:t>
+            </a:r>
+            <a:r>
+              <a:rPr lang="en-US" sz="2400" dirty="0">
+                <a:latin typeface="TH SarabunPSK" panose="020B0500040200020003" pitchFamily="34" charset="-34"/>
+                <a:cs typeface="TH SarabunPSK" panose="020B0500040200020003" pitchFamily="34" charset="-34"/>
+              </a:rPr>
+              <a:t>. </a:t>
+            </a:r>
+            <a:r>
+              <a:rPr lang="th-TH" sz="2400" dirty="0">
+                <a:latin typeface="TH SarabunPSK" panose="020B0500040200020003" pitchFamily="34" charset="-34"/>
+                <a:cs typeface="TH SarabunPSK" panose="020B0500040200020003" pitchFamily="34" charset="-34"/>
+              </a:rPr>
+              <a:t>ดร</a:t>
+            </a:r>
+            <a:r>
+              <a:rPr lang="en-US" sz="2400" dirty="0">
+                <a:latin typeface="TH SarabunPSK" panose="020B0500040200020003" pitchFamily="34" charset="-34"/>
+                <a:cs typeface="TH SarabunPSK" panose="020B0500040200020003" pitchFamily="34" charset="-34"/>
+              </a:rPr>
+              <a:t>.</a:t>
+            </a:r>
+            <a:r>
+              <a:rPr lang="th-TH" sz="2400" dirty="0">
+                <a:latin typeface="TH SarabunPSK" panose="020B0500040200020003" pitchFamily="34" charset="-34"/>
+                <a:cs typeface="TH SarabunPSK" panose="020B0500040200020003" pitchFamily="34" charset="-34"/>
+              </a:rPr>
+              <a:t>ธนพงศ์ อินทระ สาขาวิชาสถิติ มหาวิทยาลัยขอนแก่น </a:t>
+            </a:r>
+          </a:p>
+        </p:txBody>
+      </p:sp>
     </p:spTree>
     <p:extLst>
       <p:ext uri="{BB962C8B-B14F-4D97-AF65-F5344CB8AC3E}">
@@ -6120,6 +6259,73 @@
           </a:prstGeom>
         </p:spPr>
       </p:pic>
+      <p:sp>
+        <p:nvSpPr>
+          <p:cNvPr id="10" name="TextBox 9">
+            <a:extLst>
+              <a:ext uri="{FF2B5EF4-FFF2-40B4-BE49-F238E27FC236}">
+                <a16:creationId xmlns:a16="http://schemas.microsoft.com/office/drawing/2014/main" id="{3806D191-A924-57D0-963A-E4D210BFE5B4}"/>
+              </a:ext>
+            </a:extLst>
+          </p:cNvPr>
+          <p:cNvSpPr txBox="1"/>
+          <p:nvPr/>
+        </p:nvSpPr>
+        <p:spPr>
+          <a:xfrm>
+            <a:off x="114677" y="6172611"/>
+            <a:ext cx="5532120" cy="461665"/>
+          </a:xfrm>
+          <a:prstGeom prst="rect">
+            <a:avLst/>
+          </a:prstGeom>
+          <a:noFill/>
+        </p:spPr>
+        <p:txBody>
+          <a:bodyPr wrap="square">
+            <a:spAutoFit/>
+          </a:bodyPr>
+          <a:lstStyle/>
+          <a:p>
+            <a:pPr algn="l"/>
+            <a:r>
+              <a:rPr lang="th-TH" sz="2400" dirty="0">
+                <a:latin typeface="TH SarabunPSK" panose="020B0500040200020003" pitchFamily="34" charset="-34"/>
+                <a:cs typeface="TH SarabunPSK" panose="020B0500040200020003" pitchFamily="34" charset="-34"/>
+              </a:rPr>
+              <a:t>โดย ผศ</a:t>
+            </a:r>
+            <a:r>
+              <a:rPr lang="en-US" sz="2400" dirty="0">
+                <a:latin typeface="TH SarabunPSK" panose="020B0500040200020003" pitchFamily="34" charset="-34"/>
+                <a:cs typeface="TH SarabunPSK" panose="020B0500040200020003" pitchFamily="34" charset="-34"/>
+              </a:rPr>
+              <a:t>. </a:t>
+            </a:r>
+            <a:r>
+              <a:rPr lang="th-TH" sz="2400" dirty="0">
+                <a:latin typeface="TH SarabunPSK" panose="020B0500040200020003" pitchFamily="34" charset="-34"/>
+                <a:cs typeface="TH SarabunPSK" panose="020B0500040200020003" pitchFamily="34" charset="-34"/>
+              </a:rPr>
+              <a:t>ดร</a:t>
+            </a:r>
+            <a:r>
+              <a:rPr lang="en-US" sz="2400" dirty="0">
+                <a:latin typeface="TH SarabunPSK" panose="020B0500040200020003" pitchFamily="34" charset="-34"/>
+                <a:cs typeface="TH SarabunPSK" panose="020B0500040200020003" pitchFamily="34" charset="-34"/>
+              </a:rPr>
+              <a:t>.</a:t>
+            </a:r>
+            <a:r>
+              <a:rPr lang="th-TH" sz="2400" dirty="0">
+                <a:latin typeface="TH SarabunPSK" panose="020B0500040200020003" pitchFamily="34" charset="-34"/>
+                <a:cs typeface="TH SarabunPSK" panose="020B0500040200020003" pitchFamily="34" charset="-34"/>
+              </a:rPr>
+              <a:t>ธนพงศ์ อินทระ สาขาวิชาสถิติ มหาวิทยาลัยขอนแก่น </a:t>
+            </a:r>
+          </a:p>
+        </p:txBody>
+      </p:sp>
     </p:spTree>
     <p:extLst>
       <p:ext uri="{BB962C8B-B14F-4D97-AF65-F5344CB8AC3E}">
@@ -6866,6 +7072,73 @@
           </a:p>
         </p:txBody>
       </p:sp>
+      <p:sp>
+        <p:nvSpPr>
+          <p:cNvPr id="9" name="TextBox 8">
+            <a:extLst>
+              <a:ext uri="{FF2B5EF4-FFF2-40B4-BE49-F238E27FC236}">
+                <a16:creationId xmlns:a16="http://schemas.microsoft.com/office/drawing/2014/main" id="{4773B9AF-01BB-9CB4-EF9E-77C1876DEAF3}"/>
+              </a:ext>
+            </a:extLst>
+          </p:cNvPr>
+          <p:cNvSpPr txBox="1"/>
+          <p:nvPr/>
+        </p:nvSpPr>
+        <p:spPr>
+          <a:xfrm>
+            <a:off x="114677" y="6172611"/>
+            <a:ext cx="5532120" cy="461665"/>
+          </a:xfrm>
+          <a:prstGeom prst="rect">
+            <a:avLst/>
+          </a:prstGeom>
+          <a:noFill/>
+        </p:spPr>
+        <p:txBody>
+          <a:bodyPr wrap="square">
+            <a:spAutoFit/>
+          </a:bodyPr>
+          <a:lstStyle/>
+          <a:p>
+            <a:pPr algn="l"/>
+            <a:r>
+              <a:rPr lang="th-TH" sz="2400" dirty="0">
+                <a:latin typeface="TH SarabunPSK" panose="020B0500040200020003" pitchFamily="34" charset="-34"/>
+                <a:cs typeface="TH SarabunPSK" panose="020B0500040200020003" pitchFamily="34" charset="-34"/>
+              </a:rPr>
+              <a:t>โดย ผศ</a:t>
+            </a:r>
+            <a:r>
+              <a:rPr lang="en-US" sz="2400" dirty="0">
+                <a:latin typeface="TH SarabunPSK" panose="020B0500040200020003" pitchFamily="34" charset="-34"/>
+                <a:cs typeface="TH SarabunPSK" panose="020B0500040200020003" pitchFamily="34" charset="-34"/>
+              </a:rPr>
+              <a:t>. </a:t>
+            </a:r>
+            <a:r>
+              <a:rPr lang="th-TH" sz="2400" dirty="0">
+                <a:latin typeface="TH SarabunPSK" panose="020B0500040200020003" pitchFamily="34" charset="-34"/>
+                <a:cs typeface="TH SarabunPSK" panose="020B0500040200020003" pitchFamily="34" charset="-34"/>
+              </a:rPr>
+              <a:t>ดร</a:t>
+            </a:r>
+            <a:r>
+              <a:rPr lang="en-US" sz="2400" dirty="0">
+                <a:latin typeface="TH SarabunPSK" panose="020B0500040200020003" pitchFamily="34" charset="-34"/>
+                <a:cs typeface="TH SarabunPSK" panose="020B0500040200020003" pitchFamily="34" charset="-34"/>
+              </a:rPr>
+              <a:t>.</a:t>
+            </a:r>
+            <a:r>
+              <a:rPr lang="th-TH" sz="2400" dirty="0">
+                <a:latin typeface="TH SarabunPSK" panose="020B0500040200020003" pitchFamily="34" charset="-34"/>
+                <a:cs typeface="TH SarabunPSK" panose="020B0500040200020003" pitchFamily="34" charset="-34"/>
+              </a:rPr>
+              <a:t>ธนพงศ์ อินทระ สาขาวิชาสถิติ มหาวิทยาลัยขอนแก่น </a:t>
+            </a:r>
+          </a:p>
+        </p:txBody>
+      </p:sp>
     </p:spTree>
     <p:extLst>
       <p:ext uri="{BB962C8B-B14F-4D97-AF65-F5344CB8AC3E}">
@@ -7668,6 +7941,73 @@
           </a:prstGeom>
         </p:spPr>
       </p:pic>
+      <p:sp>
+        <p:nvSpPr>
+          <p:cNvPr id="10" name="TextBox 9">
+            <a:extLst>
+              <a:ext uri="{FF2B5EF4-FFF2-40B4-BE49-F238E27FC236}">
+                <a16:creationId xmlns:a16="http://schemas.microsoft.com/office/drawing/2014/main" id="{D5D5A7A8-8298-A4E7-A927-5AFC328009AE}"/>
+              </a:ext>
+            </a:extLst>
+          </p:cNvPr>
+          <p:cNvSpPr txBox="1"/>
+          <p:nvPr/>
+        </p:nvSpPr>
+        <p:spPr>
+          <a:xfrm>
+            <a:off x="114677" y="6172611"/>
+            <a:ext cx="5532120" cy="461665"/>
+          </a:xfrm>
+          <a:prstGeom prst="rect">
+            <a:avLst/>
+          </a:prstGeom>
+          <a:noFill/>
+        </p:spPr>
+        <p:txBody>
+          <a:bodyPr wrap="square">
+            <a:spAutoFit/>
+          </a:bodyPr>
+          <a:lstStyle/>
+          <a:p>
+            <a:pPr algn="l"/>
+            <a:r>
+              <a:rPr lang="th-TH" sz="2400" dirty="0">
+                <a:latin typeface="TH SarabunPSK" panose="020B0500040200020003" pitchFamily="34" charset="-34"/>
+                <a:cs typeface="TH SarabunPSK" panose="020B0500040200020003" pitchFamily="34" charset="-34"/>
+              </a:rPr>
+              <a:t>โดย ผศ</a:t>
+            </a:r>
+            <a:r>
+              <a:rPr lang="en-US" sz="2400" dirty="0">
+                <a:latin typeface="TH SarabunPSK" panose="020B0500040200020003" pitchFamily="34" charset="-34"/>
+                <a:cs typeface="TH SarabunPSK" panose="020B0500040200020003" pitchFamily="34" charset="-34"/>
+              </a:rPr>
+              <a:t>. </a:t>
+            </a:r>
+            <a:r>
+              <a:rPr lang="th-TH" sz="2400" dirty="0">
+                <a:latin typeface="TH SarabunPSK" panose="020B0500040200020003" pitchFamily="34" charset="-34"/>
+                <a:cs typeface="TH SarabunPSK" panose="020B0500040200020003" pitchFamily="34" charset="-34"/>
+              </a:rPr>
+              <a:t>ดร</a:t>
+            </a:r>
+            <a:r>
+              <a:rPr lang="en-US" sz="2400" dirty="0">
+                <a:latin typeface="TH SarabunPSK" panose="020B0500040200020003" pitchFamily="34" charset="-34"/>
+                <a:cs typeface="TH SarabunPSK" panose="020B0500040200020003" pitchFamily="34" charset="-34"/>
+              </a:rPr>
+              <a:t>.</a:t>
+            </a:r>
+            <a:r>
+              <a:rPr lang="th-TH" sz="2400" dirty="0">
+                <a:latin typeface="TH SarabunPSK" panose="020B0500040200020003" pitchFamily="34" charset="-34"/>
+                <a:cs typeface="TH SarabunPSK" panose="020B0500040200020003" pitchFamily="34" charset="-34"/>
+              </a:rPr>
+              <a:t>ธนพงศ์ อินทระ สาขาวิชาสถิติ มหาวิทยาลัยขอนแก่น </a:t>
+            </a:r>
+          </a:p>
+        </p:txBody>
+      </p:sp>
     </p:spTree>
     <p:extLst>
       <p:ext uri="{BB962C8B-B14F-4D97-AF65-F5344CB8AC3E}">
@@ -8571,6 +8911,73 @@
           </a:prstGeom>
         </p:spPr>
       </p:pic>
+      <p:sp>
+        <p:nvSpPr>
+          <p:cNvPr id="10" name="TextBox 9">
+            <a:extLst>
+              <a:ext uri="{FF2B5EF4-FFF2-40B4-BE49-F238E27FC236}">
+                <a16:creationId xmlns:a16="http://schemas.microsoft.com/office/drawing/2014/main" id="{7D4F6628-09F8-488E-F091-3A4F96105FE9}"/>
+              </a:ext>
+            </a:extLst>
+          </p:cNvPr>
+          <p:cNvSpPr txBox="1"/>
+          <p:nvPr/>
+        </p:nvSpPr>
+        <p:spPr>
+          <a:xfrm>
+            <a:off x="114677" y="6172611"/>
+            <a:ext cx="5532120" cy="461665"/>
+          </a:xfrm>
+          <a:prstGeom prst="rect">
+            <a:avLst/>
+          </a:prstGeom>
+          <a:noFill/>
+        </p:spPr>
+        <p:txBody>
+          <a:bodyPr wrap="square">
+            <a:spAutoFit/>
+          </a:bodyPr>
+          <a:lstStyle/>
+          <a:p>
+            <a:pPr algn="l"/>
+            <a:r>
+              <a:rPr lang="th-TH" sz="2400" dirty="0">
+                <a:latin typeface="TH SarabunPSK" panose="020B0500040200020003" pitchFamily="34" charset="-34"/>
+                <a:cs typeface="TH SarabunPSK" panose="020B0500040200020003" pitchFamily="34" charset="-34"/>
+              </a:rPr>
+              <a:t>โดย ผศ</a:t>
+            </a:r>
+            <a:r>
+              <a:rPr lang="en-US" sz="2400" dirty="0">
+                <a:latin typeface="TH SarabunPSK" panose="020B0500040200020003" pitchFamily="34" charset="-34"/>
+                <a:cs typeface="TH SarabunPSK" panose="020B0500040200020003" pitchFamily="34" charset="-34"/>
+              </a:rPr>
+              <a:t>. </a:t>
+            </a:r>
+            <a:r>
+              <a:rPr lang="th-TH" sz="2400" dirty="0">
+                <a:latin typeface="TH SarabunPSK" panose="020B0500040200020003" pitchFamily="34" charset="-34"/>
+                <a:cs typeface="TH SarabunPSK" panose="020B0500040200020003" pitchFamily="34" charset="-34"/>
+              </a:rPr>
+              <a:t>ดร</a:t>
+            </a:r>
+            <a:r>
+              <a:rPr lang="en-US" sz="2400" dirty="0">
+                <a:latin typeface="TH SarabunPSK" panose="020B0500040200020003" pitchFamily="34" charset="-34"/>
+                <a:cs typeface="TH SarabunPSK" panose="020B0500040200020003" pitchFamily="34" charset="-34"/>
+              </a:rPr>
+              <a:t>.</a:t>
+            </a:r>
+            <a:r>
+              <a:rPr lang="th-TH" sz="2400" dirty="0">
+                <a:latin typeface="TH SarabunPSK" panose="020B0500040200020003" pitchFamily="34" charset="-34"/>
+                <a:cs typeface="TH SarabunPSK" panose="020B0500040200020003" pitchFamily="34" charset="-34"/>
+              </a:rPr>
+              <a:t>ธนพงศ์ อินทระ สาขาวิชาสถิติ มหาวิทยาลัยขอนแก่น </a:t>
+            </a:r>
+          </a:p>
+        </p:txBody>
+      </p:sp>
     </p:spTree>
     <p:extLst>
       <p:ext uri="{BB962C8B-B14F-4D97-AF65-F5344CB8AC3E}">
@@ -9392,6 +9799,73 @@
           </a:prstGeom>
         </p:spPr>
       </p:pic>
+      <p:sp>
+        <p:nvSpPr>
+          <p:cNvPr id="10" name="TextBox 9">
+            <a:extLst>
+              <a:ext uri="{FF2B5EF4-FFF2-40B4-BE49-F238E27FC236}">
+                <a16:creationId xmlns:a16="http://schemas.microsoft.com/office/drawing/2014/main" id="{4C7B96E9-1AB0-B990-14FF-F8CC72E49112}"/>
+              </a:ext>
+            </a:extLst>
+          </p:cNvPr>
+          <p:cNvSpPr txBox="1"/>
+          <p:nvPr/>
+        </p:nvSpPr>
+        <p:spPr>
+          <a:xfrm>
+            <a:off x="114677" y="6172611"/>
+            <a:ext cx="5532120" cy="461665"/>
+          </a:xfrm>
+          <a:prstGeom prst="rect">
+            <a:avLst/>
+          </a:prstGeom>
+          <a:noFill/>
+        </p:spPr>
+        <p:txBody>
+          <a:bodyPr wrap="square">
+            <a:spAutoFit/>
+          </a:bodyPr>
+          <a:lstStyle/>
+          <a:p>
+            <a:pPr algn="l"/>
+            <a:r>
+              <a:rPr lang="th-TH" sz="2400" dirty="0">
+                <a:latin typeface="TH SarabunPSK" panose="020B0500040200020003" pitchFamily="34" charset="-34"/>
+                <a:cs typeface="TH SarabunPSK" panose="020B0500040200020003" pitchFamily="34" charset="-34"/>
+              </a:rPr>
+              <a:t>โดย ผศ</a:t>
+            </a:r>
+            <a:r>
+              <a:rPr lang="en-US" sz="2400" dirty="0">
+                <a:latin typeface="TH SarabunPSK" panose="020B0500040200020003" pitchFamily="34" charset="-34"/>
+                <a:cs typeface="TH SarabunPSK" panose="020B0500040200020003" pitchFamily="34" charset="-34"/>
+              </a:rPr>
+              <a:t>. </a:t>
+            </a:r>
+            <a:r>
+              <a:rPr lang="th-TH" sz="2400" dirty="0">
+                <a:latin typeface="TH SarabunPSK" panose="020B0500040200020003" pitchFamily="34" charset="-34"/>
+                <a:cs typeface="TH SarabunPSK" panose="020B0500040200020003" pitchFamily="34" charset="-34"/>
+              </a:rPr>
+              <a:t>ดร</a:t>
+            </a:r>
+            <a:r>
+              <a:rPr lang="en-US" sz="2400" dirty="0">
+                <a:latin typeface="TH SarabunPSK" panose="020B0500040200020003" pitchFamily="34" charset="-34"/>
+                <a:cs typeface="TH SarabunPSK" panose="020B0500040200020003" pitchFamily="34" charset="-34"/>
+              </a:rPr>
+              <a:t>.</a:t>
+            </a:r>
+            <a:r>
+              <a:rPr lang="th-TH" sz="2400" dirty="0">
+                <a:latin typeface="TH SarabunPSK" panose="020B0500040200020003" pitchFamily="34" charset="-34"/>
+                <a:cs typeface="TH SarabunPSK" panose="020B0500040200020003" pitchFamily="34" charset="-34"/>
+              </a:rPr>
+              <a:t>ธนพงศ์ อินทระ สาขาวิชาสถิติ มหาวิทยาลัยขอนแก่น </a:t>
+            </a:r>
+          </a:p>
+        </p:txBody>
+      </p:sp>
     </p:spTree>
     <p:extLst>
       <p:ext uri="{BB962C8B-B14F-4D97-AF65-F5344CB8AC3E}">
@@ -9945,6 +10419,73 @@
           </a:p>
         </p:txBody>
       </p:sp>
+      <p:sp>
+        <p:nvSpPr>
+          <p:cNvPr id="9" name="TextBox 8">
+            <a:extLst>
+              <a:ext uri="{FF2B5EF4-FFF2-40B4-BE49-F238E27FC236}">
+                <a16:creationId xmlns:a16="http://schemas.microsoft.com/office/drawing/2014/main" id="{BA9D9B40-C2E9-8F08-5740-2F002A48F012}"/>
+              </a:ext>
+            </a:extLst>
+          </p:cNvPr>
+          <p:cNvSpPr txBox="1"/>
+          <p:nvPr/>
+        </p:nvSpPr>
+        <p:spPr>
+          <a:xfrm>
+            <a:off x="114677" y="6172611"/>
+            <a:ext cx="5532120" cy="461665"/>
+          </a:xfrm>
+          <a:prstGeom prst="rect">
+            <a:avLst/>
+          </a:prstGeom>
+          <a:noFill/>
+        </p:spPr>
+        <p:txBody>
+          <a:bodyPr wrap="square">
+            <a:spAutoFit/>
+          </a:bodyPr>
+          <a:lstStyle/>
+          <a:p>
+            <a:pPr algn="l"/>
+            <a:r>
+              <a:rPr lang="th-TH" sz="2400" dirty="0">
+                <a:latin typeface="TH SarabunPSK" panose="020B0500040200020003" pitchFamily="34" charset="-34"/>
+                <a:cs typeface="TH SarabunPSK" panose="020B0500040200020003" pitchFamily="34" charset="-34"/>
+              </a:rPr>
+              <a:t>โดย ผศ</a:t>
+            </a:r>
+            <a:r>
+              <a:rPr lang="en-US" sz="2400" dirty="0">
+                <a:latin typeface="TH SarabunPSK" panose="020B0500040200020003" pitchFamily="34" charset="-34"/>
+                <a:cs typeface="TH SarabunPSK" panose="020B0500040200020003" pitchFamily="34" charset="-34"/>
+              </a:rPr>
+              <a:t>. </a:t>
+            </a:r>
+            <a:r>
+              <a:rPr lang="th-TH" sz="2400" dirty="0">
+                <a:latin typeface="TH SarabunPSK" panose="020B0500040200020003" pitchFamily="34" charset="-34"/>
+                <a:cs typeface="TH SarabunPSK" panose="020B0500040200020003" pitchFamily="34" charset="-34"/>
+              </a:rPr>
+              <a:t>ดร</a:t>
+            </a:r>
+            <a:r>
+              <a:rPr lang="en-US" sz="2400" dirty="0">
+                <a:latin typeface="TH SarabunPSK" panose="020B0500040200020003" pitchFamily="34" charset="-34"/>
+                <a:cs typeface="TH SarabunPSK" panose="020B0500040200020003" pitchFamily="34" charset="-34"/>
+              </a:rPr>
+              <a:t>.</a:t>
+            </a:r>
+            <a:r>
+              <a:rPr lang="th-TH" sz="2400" dirty="0">
+                <a:latin typeface="TH SarabunPSK" panose="020B0500040200020003" pitchFamily="34" charset="-34"/>
+                <a:cs typeface="TH SarabunPSK" panose="020B0500040200020003" pitchFamily="34" charset="-34"/>
+              </a:rPr>
+              <a:t>ธนพงศ์ อินทระ สาขาวิชาสถิติ มหาวิทยาลัยขอนแก่น </a:t>
+            </a:r>
+          </a:p>
+        </p:txBody>
+      </p:sp>
     </p:spTree>
     <p:extLst>
       <p:ext uri="{BB962C8B-B14F-4D97-AF65-F5344CB8AC3E}">
@@ -10524,6 +11065,73 @@
           </a:prstGeom>
         </p:spPr>
       </p:pic>
+      <p:sp>
+        <p:nvSpPr>
+          <p:cNvPr id="11" name="TextBox 10">
+            <a:extLst>
+              <a:ext uri="{FF2B5EF4-FFF2-40B4-BE49-F238E27FC236}">
+                <a16:creationId xmlns:a16="http://schemas.microsoft.com/office/drawing/2014/main" id="{6B957C59-9337-B309-477B-82A7CBC809C9}"/>
+              </a:ext>
+            </a:extLst>
+          </p:cNvPr>
+          <p:cNvSpPr txBox="1"/>
+          <p:nvPr/>
+        </p:nvSpPr>
+        <p:spPr>
+          <a:xfrm>
+            <a:off x="114677" y="6172611"/>
+            <a:ext cx="5532120" cy="461665"/>
+          </a:xfrm>
+          <a:prstGeom prst="rect">
+            <a:avLst/>
+          </a:prstGeom>
+          <a:noFill/>
+        </p:spPr>
+        <p:txBody>
+          <a:bodyPr wrap="square">
+            <a:spAutoFit/>
+          </a:bodyPr>
+          <a:lstStyle/>
+          <a:p>
+            <a:pPr algn="l"/>
+            <a:r>
+              <a:rPr lang="th-TH" sz="2400" dirty="0">
+                <a:latin typeface="TH SarabunPSK" panose="020B0500040200020003" pitchFamily="34" charset="-34"/>
+                <a:cs typeface="TH SarabunPSK" panose="020B0500040200020003" pitchFamily="34" charset="-34"/>
+              </a:rPr>
+              <a:t>โดย ผศ</a:t>
+            </a:r>
+            <a:r>
+              <a:rPr lang="en-US" sz="2400" dirty="0">
+                <a:latin typeface="TH SarabunPSK" panose="020B0500040200020003" pitchFamily="34" charset="-34"/>
+                <a:cs typeface="TH SarabunPSK" panose="020B0500040200020003" pitchFamily="34" charset="-34"/>
+              </a:rPr>
+              <a:t>. </a:t>
+            </a:r>
+            <a:r>
+              <a:rPr lang="th-TH" sz="2400" dirty="0">
+                <a:latin typeface="TH SarabunPSK" panose="020B0500040200020003" pitchFamily="34" charset="-34"/>
+                <a:cs typeface="TH SarabunPSK" panose="020B0500040200020003" pitchFamily="34" charset="-34"/>
+              </a:rPr>
+              <a:t>ดร</a:t>
+            </a:r>
+            <a:r>
+              <a:rPr lang="en-US" sz="2400" dirty="0">
+                <a:latin typeface="TH SarabunPSK" panose="020B0500040200020003" pitchFamily="34" charset="-34"/>
+                <a:cs typeface="TH SarabunPSK" panose="020B0500040200020003" pitchFamily="34" charset="-34"/>
+              </a:rPr>
+              <a:t>.</a:t>
+            </a:r>
+            <a:r>
+              <a:rPr lang="th-TH" sz="2400" dirty="0">
+                <a:latin typeface="TH SarabunPSK" panose="020B0500040200020003" pitchFamily="34" charset="-34"/>
+                <a:cs typeface="TH SarabunPSK" panose="020B0500040200020003" pitchFamily="34" charset="-34"/>
+              </a:rPr>
+              <a:t>ธนพงศ์ อินทระ สาขาวิชาสถิติ มหาวิทยาลัยขอนแก่น </a:t>
+            </a:r>
+          </a:p>
+        </p:txBody>
+      </p:sp>
     </p:spTree>
     <p:extLst>
       <p:ext uri="{BB962C8B-B14F-4D97-AF65-F5344CB8AC3E}">
@@ -11104,6 +11712,73 @@
           </a:prstGeom>
         </p:spPr>
       </p:pic>
+      <p:sp>
+        <p:nvSpPr>
+          <p:cNvPr id="11" name="TextBox 10">
+            <a:extLst>
+              <a:ext uri="{FF2B5EF4-FFF2-40B4-BE49-F238E27FC236}">
+                <a16:creationId xmlns:a16="http://schemas.microsoft.com/office/drawing/2014/main" id="{1CC39FCA-3D52-BAFB-BFB2-08C13AEBAA18}"/>
+              </a:ext>
+            </a:extLst>
+          </p:cNvPr>
+          <p:cNvSpPr txBox="1"/>
+          <p:nvPr/>
+        </p:nvSpPr>
+        <p:spPr>
+          <a:xfrm>
+            <a:off x="114677" y="6172611"/>
+            <a:ext cx="5532120" cy="461665"/>
+          </a:xfrm>
+          <a:prstGeom prst="rect">
+            <a:avLst/>
+          </a:prstGeom>
+          <a:noFill/>
+        </p:spPr>
+        <p:txBody>
+          <a:bodyPr wrap="square">
+            <a:spAutoFit/>
+          </a:bodyPr>
+          <a:lstStyle/>
+          <a:p>
+            <a:pPr algn="l"/>
+            <a:r>
+              <a:rPr lang="th-TH" sz="2400" dirty="0">
+                <a:latin typeface="TH SarabunPSK" panose="020B0500040200020003" pitchFamily="34" charset="-34"/>
+                <a:cs typeface="TH SarabunPSK" panose="020B0500040200020003" pitchFamily="34" charset="-34"/>
+              </a:rPr>
+              <a:t>โดย ผศ</a:t>
+            </a:r>
+            <a:r>
+              <a:rPr lang="en-US" sz="2400" dirty="0">
+                <a:latin typeface="TH SarabunPSK" panose="020B0500040200020003" pitchFamily="34" charset="-34"/>
+                <a:cs typeface="TH SarabunPSK" panose="020B0500040200020003" pitchFamily="34" charset="-34"/>
+              </a:rPr>
+              <a:t>. </a:t>
+            </a:r>
+            <a:r>
+              <a:rPr lang="th-TH" sz="2400" dirty="0">
+                <a:latin typeface="TH SarabunPSK" panose="020B0500040200020003" pitchFamily="34" charset="-34"/>
+                <a:cs typeface="TH SarabunPSK" panose="020B0500040200020003" pitchFamily="34" charset="-34"/>
+              </a:rPr>
+              <a:t>ดร</a:t>
+            </a:r>
+            <a:r>
+              <a:rPr lang="en-US" sz="2400" dirty="0">
+                <a:latin typeface="TH SarabunPSK" panose="020B0500040200020003" pitchFamily="34" charset="-34"/>
+                <a:cs typeface="TH SarabunPSK" panose="020B0500040200020003" pitchFamily="34" charset="-34"/>
+              </a:rPr>
+              <a:t>.</a:t>
+            </a:r>
+            <a:r>
+              <a:rPr lang="th-TH" sz="2400" dirty="0">
+                <a:latin typeface="TH SarabunPSK" panose="020B0500040200020003" pitchFamily="34" charset="-34"/>
+                <a:cs typeface="TH SarabunPSK" panose="020B0500040200020003" pitchFamily="34" charset="-34"/>
+              </a:rPr>
+              <a:t>ธนพงศ์ อินทระ สาขาวิชาสถิติ มหาวิทยาลัยขอนแก่น </a:t>
+            </a:r>
+          </a:p>
+        </p:txBody>
+      </p:sp>
     </p:spTree>
     <p:extLst>
       <p:ext uri="{BB962C8B-B14F-4D97-AF65-F5344CB8AC3E}">
@@ -12098,6 +12773,73 @@
           </a:prstGeom>
         </p:spPr>
       </p:pic>
+      <p:sp>
+        <p:nvSpPr>
+          <p:cNvPr id="11" name="TextBox 10">
+            <a:extLst>
+              <a:ext uri="{FF2B5EF4-FFF2-40B4-BE49-F238E27FC236}">
+                <a16:creationId xmlns:a16="http://schemas.microsoft.com/office/drawing/2014/main" id="{D82978C1-5DB6-B8D3-3DA2-BD3077719038}"/>
+              </a:ext>
+            </a:extLst>
+          </p:cNvPr>
+          <p:cNvSpPr txBox="1"/>
+          <p:nvPr/>
+        </p:nvSpPr>
+        <p:spPr>
+          <a:xfrm>
+            <a:off x="114677" y="6172611"/>
+            <a:ext cx="5532120" cy="461665"/>
+          </a:xfrm>
+          <a:prstGeom prst="rect">
+            <a:avLst/>
+          </a:prstGeom>
+          <a:noFill/>
+        </p:spPr>
+        <p:txBody>
+          <a:bodyPr wrap="square">
+            <a:spAutoFit/>
+          </a:bodyPr>
+          <a:lstStyle/>
+          <a:p>
+            <a:pPr algn="l"/>
+            <a:r>
+              <a:rPr lang="th-TH" sz="2400" dirty="0">
+                <a:latin typeface="TH SarabunPSK" panose="020B0500040200020003" pitchFamily="34" charset="-34"/>
+                <a:cs typeface="TH SarabunPSK" panose="020B0500040200020003" pitchFamily="34" charset="-34"/>
+              </a:rPr>
+              <a:t>โดย ผศ</a:t>
+            </a:r>
+            <a:r>
+              <a:rPr lang="en-US" sz="2400" dirty="0">
+                <a:latin typeface="TH SarabunPSK" panose="020B0500040200020003" pitchFamily="34" charset="-34"/>
+                <a:cs typeface="TH SarabunPSK" panose="020B0500040200020003" pitchFamily="34" charset="-34"/>
+              </a:rPr>
+              <a:t>. </a:t>
+            </a:r>
+            <a:r>
+              <a:rPr lang="th-TH" sz="2400" dirty="0">
+                <a:latin typeface="TH SarabunPSK" panose="020B0500040200020003" pitchFamily="34" charset="-34"/>
+                <a:cs typeface="TH SarabunPSK" panose="020B0500040200020003" pitchFamily="34" charset="-34"/>
+              </a:rPr>
+              <a:t>ดร</a:t>
+            </a:r>
+            <a:r>
+              <a:rPr lang="en-US" sz="2400" dirty="0">
+                <a:latin typeface="TH SarabunPSK" panose="020B0500040200020003" pitchFamily="34" charset="-34"/>
+                <a:cs typeface="TH SarabunPSK" panose="020B0500040200020003" pitchFamily="34" charset="-34"/>
+              </a:rPr>
+              <a:t>.</a:t>
+            </a:r>
+            <a:r>
+              <a:rPr lang="th-TH" sz="2400" dirty="0">
+                <a:latin typeface="TH SarabunPSK" panose="020B0500040200020003" pitchFamily="34" charset="-34"/>
+                <a:cs typeface="TH SarabunPSK" panose="020B0500040200020003" pitchFamily="34" charset="-34"/>
+              </a:rPr>
+              <a:t>ธนพงศ์ อินทระ สาขาวิชาสถิติ มหาวิทยาลัยขอนแก่น </a:t>
+            </a:r>
+          </a:p>
+        </p:txBody>
+      </p:sp>
     </p:spTree>
     <p:extLst>
       <p:ext uri="{BB962C8B-B14F-4D97-AF65-F5344CB8AC3E}">
@@ -12693,6 +13435,73 @@
           </a:prstGeom>
         </p:spPr>
       </p:pic>
+      <p:sp>
+        <p:nvSpPr>
+          <p:cNvPr id="10" name="TextBox 9">
+            <a:extLst>
+              <a:ext uri="{FF2B5EF4-FFF2-40B4-BE49-F238E27FC236}">
+                <a16:creationId xmlns:a16="http://schemas.microsoft.com/office/drawing/2014/main" id="{07F61328-1423-1463-9793-38F3A837D748}"/>
+              </a:ext>
+            </a:extLst>
+          </p:cNvPr>
+          <p:cNvSpPr txBox="1"/>
+          <p:nvPr/>
+        </p:nvSpPr>
+        <p:spPr>
+          <a:xfrm>
+            <a:off x="114677" y="6172611"/>
+            <a:ext cx="5532120" cy="461665"/>
+          </a:xfrm>
+          <a:prstGeom prst="rect">
+            <a:avLst/>
+          </a:prstGeom>
+          <a:noFill/>
+        </p:spPr>
+        <p:txBody>
+          <a:bodyPr wrap="square">
+            <a:spAutoFit/>
+          </a:bodyPr>
+          <a:lstStyle/>
+          <a:p>
+            <a:pPr algn="l"/>
+            <a:r>
+              <a:rPr lang="th-TH" sz="2400" dirty="0">
+                <a:latin typeface="TH SarabunPSK" panose="020B0500040200020003" pitchFamily="34" charset="-34"/>
+                <a:cs typeface="TH SarabunPSK" panose="020B0500040200020003" pitchFamily="34" charset="-34"/>
+              </a:rPr>
+              <a:t>โดย ผศ</a:t>
+            </a:r>
+            <a:r>
+              <a:rPr lang="en-US" sz="2400" dirty="0">
+                <a:latin typeface="TH SarabunPSK" panose="020B0500040200020003" pitchFamily="34" charset="-34"/>
+                <a:cs typeface="TH SarabunPSK" panose="020B0500040200020003" pitchFamily="34" charset="-34"/>
+              </a:rPr>
+              <a:t>. </a:t>
+            </a:r>
+            <a:r>
+              <a:rPr lang="th-TH" sz="2400" dirty="0">
+                <a:latin typeface="TH SarabunPSK" panose="020B0500040200020003" pitchFamily="34" charset="-34"/>
+                <a:cs typeface="TH SarabunPSK" panose="020B0500040200020003" pitchFamily="34" charset="-34"/>
+              </a:rPr>
+              <a:t>ดร</a:t>
+            </a:r>
+            <a:r>
+              <a:rPr lang="en-US" sz="2400" dirty="0">
+                <a:latin typeface="TH SarabunPSK" panose="020B0500040200020003" pitchFamily="34" charset="-34"/>
+                <a:cs typeface="TH SarabunPSK" panose="020B0500040200020003" pitchFamily="34" charset="-34"/>
+              </a:rPr>
+              <a:t>.</a:t>
+            </a:r>
+            <a:r>
+              <a:rPr lang="th-TH" sz="2400" dirty="0">
+                <a:latin typeface="TH SarabunPSK" panose="020B0500040200020003" pitchFamily="34" charset="-34"/>
+                <a:cs typeface="TH SarabunPSK" panose="020B0500040200020003" pitchFamily="34" charset="-34"/>
+              </a:rPr>
+              <a:t>ธนพงศ์ อินทระ สาขาวิชาสถิติ มหาวิทยาลัยขอนแก่น </a:t>
+            </a:r>
+          </a:p>
+        </p:txBody>
+      </p:sp>
     </p:spTree>
     <p:extLst>
       <p:ext uri="{BB962C8B-B14F-4D97-AF65-F5344CB8AC3E}">
@@ -13822,6 +14631,73 @@
           </a:p>
         </p:txBody>
       </p:sp>
+      <p:sp>
+        <p:nvSpPr>
+          <p:cNvPr id="9" name="TextBox 8">
+            <a:extLst>
+              <a:ext uri="{FF2B5EF4-FFF2-40B4-BE49-F238E27FC236}">
+                <a16:creationId xmlns:a16="http://schemas.microsoft.com/office/drawing/2014/main" id="{F9D8FA59-FA87-3296-0A63-3E23BF75273A}"/>
+              </a:ext>
+            </a:extLst>
+          </p:cNvPr>
+          <p:cNvSpPr txBox="1"/>
+          <p:nvPr/>
+        </p:nvSpPr>
+        <p:spPr>
+          <a:xfrm>
+            <a:off x="114677" y="6172611"/>
+            <a:ext cx="5532120" cy="461665"/>
+          </a:xfrm>
+          <a:prstGeom prst="rect">
+            <a:avLst/>
+          </a:prstGeom>
+          <a:noFill/>
+        </p:spPr>
+        <p:txBody>
+          <a:bodyPr wrap="square">
+            <a:spAutoFit/>
+          </a:bodyPr>
+          <a:lstStyle/>
+          <a:p>
+            <a:pPr algn="l"/>
+            <a:r>
+              <a:rPr lang="th-TH" sz="2400" dirty="0">
+                <a:latin typeface="TH SarabunPSK" panose="020B0500040200020003" pitchFamily="34" charset="-34"/>
+                <a:cs typeface="TH SarabunPSK" panose="020B0500040200020003" pitchFamily="34" charset="-34"/>
+              </a:rPr>
+              <a:t>โดย ผศ</a:t>
+            </a:r>
+            <a:r>
+              <a:rPr lang="en-US" sz="2400" dirty="0">
+                <a:latin typeface="TH SarabunPSK" panose="020B0500040200020003" pitchFamily="34" charset="-34"/>
+                <a:cs typeface="TH SarabunPSK" panose="020B0500040200020003" pitchFamily="34" charset="-34"/>
+              </a:rPr>
+              <a:t>. </a:t>
+            </a:r>
+            <a:r>
+              <a:rPr lang="th-TH" sz="2400" dirty="0">
+                <a:latin typeface="TH SarabunPSK" panose="020B0500040200020003" pitchFamily="34" charset="-34"/>
+                <a:cs typeface="TH SarabunPSK" panose="020B0500040200020003" pitchFamily="34" charset="-34"/>
+              </a:rPr>
+              <a:t>ดร</a:t>
+            </a:r>
+            <a:r>
+              <a:rPr lang="en-US" sz="2400" dirty="0">
+                <a:latin typeface="TH SarabunPSK" panose="020B0500040200020003" pitchFamily="34" charset="-34"/>
+                <a:cs typeface="TH SarabunPSK" panose="020B0500040200020003" pitchFamily="34" charset="-34"/>
+              </a:rPr>
+              <a:t>.</a:t>
+            </a:r>
+            <a:r>
+              <a:rPr lang="th-TH" sz="2400" dirty="0">
+                <a:latin typeface="TH SarabunPSK" panose="020B0500040200020003" pitchFamily="34" charset="-34"/>
+                <a:cs typeface="TH SarabunPSK" panose="020B0500040200020003" pitchFamily="34" charset="-34"/>
+              </a:rPr>
+              <a:t>ธนพงศ์ อินทระ สาขาวิชาสถิติ มหาวิทยาลัยขอนแก่น </a:t>
+            </a:r>
+          </a:p>
+        </p:txBody>
+      </p:sp>
     </p:spTree>
     <p:extLst>
       <p:ext uri="{BB962C8B-B14F-4D97-AF65-F5344CB8AC3E}">
@@ -14388,6 +15264,73 @@
           </a:p>
         </p:txBody>
       </p:sp>
+      <p:sp>
+        <p:nvSpPr>
+          <p:cNvPr id="9" name="TextBox 8">
+            <a:extLst>
+              <a:ext uri="{FF2B5EF4-FFF2-40B4-BE49-F238E27FC236}">
+                <a16:creationId xmlns:a16="http://schemas.microsoft.com/office/drawing/2014/main" id="{67DA30BC-128F-9AB0-9CE4-53B9270D872C}"/>
+              </a:ext>
+            </a:extLst>
+          </p:cNvPr>
+          <p:cNvSpPr txBox="1"/>
+          <p:nvPr/>
+        </p:nvSpPr>
+        <p:spPr>
+          <a:xfrm>
+            <a:off x="114677" y="6172611"/>
+            <a:ext cx="5532120" cy="461665"/>
+          </a:xfrm>
+          <a:prstGeom prst="rect">
+            <a:avLst/>
+          </a:prstGeom>
+          <a:noFill/>
+        </p:spPr>
+        <p:txBody>
+          <a:bodyPr wrap="square">
+            <a:spAutoFit/>
+          </a:bodyPr>
+          <a:lstStyle/>
+          <a:p>
+            <a:pPr algn="l"/>
+            <a:r>
+              <a:rPr lang="th-TH" sz="2400" dirty="0">
+                <a:latin typeface="TH SarabunPSK" panose="020B0500040200020003" pitchFamily="34" charset="-34"/>
+                <a:cs typeface="TH SarabunPSK" panose="020B0500040200020003" pitchFamily="34" charset="-34"/>
+              </a:rPr>
+              <a:t>โดย ผศ</a:t>
+            </a:r>
+            <a:r>
+              <a:rPr lang="en-US" sz="2400" dirty="0">
+                <a:latin typeface="TH SarabunPSK" panose="020B0500040200020003" pitchFamily="34" charset="-34"/>
+                <a:cs typeface="TH SarabunPSK" panose="020B0500040200020003" pitchFamily="34" charset="-34"/>
+              </a:rPr>
+              <a:t>. </a:t>
+            </a:r>
+            <a:r>
+              <a:rPr lang="th-TH" sz="2400" dirty="0">
+                <a:latin typeface="TH SarabunPSK" panose="020B0500040200020003" pitchFamily="34" charset="-34"/>
+                <a:cs typeface="TH SarabunPSK" panose="020B0500040200020003" pitchFamily="34" charset="-34"/>
+              </a:rPr>
+              <a:t>ดร</a:t>
+            </a:r>
+            <a:r>
+              <a:rPr lang="en-US" sz="2400" dirty="0">
+                <a:latin typeface="TH SarabunPSK" panose="020B0500040200020003" pitchFamily="34" charset="-34"/>
+                <a:cs typeface="TH SarabunPSK" panose="020B0500040200020003" pitchFamily="34" charset="-34"/>
+              </a:rPr>
+              <a:t>.</a:t>
+            </a:r>
+            <a:r>
+              <a:rPr lang="th-TH" sz="2400" dirty="0">
+                <a:latin typeface="TH SarabunPSK" panose="020B0500040200020003" pitchFamily="34" charset="-34"/>
+                <a:cs typeface="TH SarabunPSK" panose="020B0500040200020003" pitchFamily="34" charset="-34"/>
+              </a:rPr>
+              <a:t>ธนพงศ์ อินทระ สาขาวิชาสถิติ มหาวิทยาลัยขอนแก่น </a:t>
+            </a:r>
+          </a:p>
+        </p:txBody>
+      </p:sp>
     </p:spTree>
     <p:extLst>
       <p:ext uri="{BB962C8B-B14F-4D97-AF65-F5344CB8AC3E}">
@@ -15369,6 +16312,73 @@
           </a:p>
         </p:txBody>
       </p:sp>
+      <p:sp>
+        <p:nvSpPr>
+          <p:cNvPr id="9" name="TextBox 8">
+            <a:extLst>
+              <a:ext uri="{FF2B5EF4-FFF2-40B4-BE49-F238E27FC236}">
+                <a16:creationId xmlns:a16="http://schemas.microsoft.com/office/drawing/2014/main" id="{18314220-D341-D988-A858-E5CEAA6D1C4B}"/>
+              </a:ext>
+            </a:extLst>
+          </p:cNvPr>
+          <p:cNvSpPr txBox="1"/>
+          <p:nvPr/>
+        </p:nvSpPr>
+        <p:spPr>
+          <a:xfrm>
+            <a:off x="114677" y="6172611"/>
+            <a:ext cx="5532120" cy="461665"/>
+          </a:xfrm>
+          <a:prstGeom prst="rect">
+            <a:avLst/>
+          </a:prstGeom>
+          <a:noFill/>
+        </p:spPr>
+        <p:txBody>
+          <a:bodyPr wrap="square">
+            <a:spAutoFit/>
+          </a:bodyPr>
+          <a:lstStyle/>
+          <a:p>
+            <a:pPr algn="l"/>
+            <a:r>
+              <a:rPr lang="th-TH" sz="2400" dirty="0">
+                <a:latin typeface="TH SarabunPSK" panose="020B0500040200020003" pitchFamily="34" charset="-34"/>
+                <a:cs typeface="TH SarabunPSK" panose="020B0500040200020003" pitchFamily="34" charset="-34"/>
+              </a:rPr>
+              <a:t>โดย ผศ</a:t>
+            </a:r>
+            <a:r>
+              <a:rPr lang="en-US" sz="2400" dirty="0">
+                <a:latin typeface="TH SarabunPSK" panose="020B0500040200020003" pitchFamily="34" charset="-34"/>
+                <a:cs typeface="TH SarabunPSK" panose="020B0500040200020003" pitchFamily="34" charset="-34"/>
+              </a:rPr>
+              <a:t>. </a:t>
+            </a:r>
+            <a:r>
+              <a:rPr lang="th-TH" sz="2400" dirty="0">
+                <a:latin typeface="TH SarabunPSK" panose="020B0500040200020003" pitchFamily="34" charset="-34"/>
+                <a:cs typeface="TH SarabunPSK" panose="020B0500040200020003" pitchFamily="34" charset="-34"/>
+              </a:rPr>
+              <a:t>ดร</a:t>
+            </a:r>
+            <a:r>
+              <a:rPr lang="en-US" sz="2400" dirty="0">
+                <a:latin typeface="TH SarabunPSK" panose="020B0500040200020003" pitchFamily="34" charset="-34"/>
+                <a:cs typeface="TH SarabunPSK" panose="020B0500040200020003" pitchFamily="34" charset="-34"/>
+              </a:rPr>
+              <a:t>.</a:t>
+            </a:r>
+            <a:r>
+              <a:rPr lang="th-TH" sz="2400" dirty="0">
+                <a:latin typeface="TH SarabunPSK" panose="020B0500040200020003" pitchFamily="34" charset="-34"/>
+                <a:cs typeface="TH SarabunPSK" panose="020B0500040200020003" pitchFamily="34" charset="-34"/>
+              </a:rPr>
+              <a:t>ธนพงศ์ อินทระ สาขาวิชาสถิติ มหาวิทยาลัยขอนแก่น </a:t>
+            </a:r>
+          </a:p>
+        </p:txBody>
+      </p:sp>
     </p:spTree>
     <p:extLst>
       <p:ext uri="{BB962C8B-B14F-4D97-AF65-F5344CB8AC3E}">
@@ -16243,6 +17253,73 @@
           </a:p>
           <a:p>
             <a:endParaRPr lang="en-US" dirty="0"/>
+          </a:p>
+        </p:txBody>
+      </p:sp>
+      <p:sp>
+        <p:nvSpPr>
+          <p:cNvPr id="9" name="TextBox 8">
+            <a:extLst>
+              <a:ext uri="{FF2B5EF4-FFF2-40B4-BE49-F238E27FC236}">
+                <a16:creationId xmlns:a16="http://schemas.microsoft.com/office/drawing/2014/main" id="{B66A8A8D-09C8-C3C7-00B9-51C369585B83}"/>
+              </a:ext>
+            </a:extLst>
+          </p:cNvPr>
+          <p:cNvSpPr txBox="1"/>
+          <p:nvPr/>
+        </p:nvSpPr>
+        <p:spPr>
+          <a:xfrm>
+            <a:off x="114677" y="6172611"/>
+            <a:ext cx="5532120" cy="461665"/>
+          </a:xfrm>
+          <a:prstGeom prst="rect">
+            <a:avLst/>
+          </a:prstGeom>
+          <a:noFill/>
+        </p:spPr>
+        <p:txBody>
+          <a:bodyPr wrap="square">
+            <a:spAutoFit/>
+          </a:bodyPr>
+          <a:lstStyle/>
+          <a:p>
+            <a:pPr algn="l"/>
+            <a:r>
+              <a:rPr lang="th-TH" sz="2400" dirty="0">
+                <a:latin typeface="TH SarabunPSK" panose="020B0500040200020003" pitchFamily="34" charset="-34"/>
+                <a:cs typeface="TH SarabunPSK" panose="020B0500040200020003" pitchFamily="34" charset="-34"/>
+              </a:rPr>
+              <a:t>โดย ผศ</a:t>
+            </a:r>
+            <a:r>
+              <a:rPr lang="en-US" sz="2400" dirty="0">
+                <a:latin typeface="TH SarabunPSK" panose="020B0500040200020003" pitchFamily="34" charset="-34"/>
+                <a:cs typeface="TH SarabunPSK" panose="020B0500040200020003" pitchFamily="34" charset="-34"/>
+              </a:rPr>
+              <a:t>. </a:t>
+            </a:r>
+            <a:r>
+              <a:rPr lang="th-TH" sz="2400" dirty="0">
+                <a:latin typeface="TH SarabunPSK" panose="020B0500040200020003" pitchFamily="34" charset="-34"/>
+                <a:cs typeface="TH SarabunPSK" panose="020B0500040200020003" pitchFamily="34" charset="-34"/>
+              </a:rPr>
+              <a:t>ดร</a:t>
+            </a:r>
+            <a:r>
+              <a:rPr lang="en-US" sz="2400" dirty="0">
+                <a:latin typeface="TH SarabunPSK" panose="020B0500040200020003" pitchFamily="34" charset="-34"/>
+                <a:cs typeface="TH SarabunPSK" panose="020B0500040200020003" pitchFamily="34" charset="-34"/>
+              </a:rPr>
+              <a:t>.</a:t>
+            </a:r>
+            <a:r>
+              <a:rPr lang="th-TH" sz="2400" dirty="0">
+                <a:latin typeface="TH SarabunPSK" panose="020B0500040200020003" pitchFamily="34" charset="-34"/>
+                <a:cs typeface="TH SarabunPSK" panose="020B0500040200020003" pitchFamily="34" charset="-34"/>
+              </a:rPr>
+              <a:t>ธนพงศ์ อินทระ สาขาวิชาสถิติ มหาวิทยาลัยขอนแก่น </a:t>
+            </a:r>
           </a:p>
         </p:txBody>
       </p:sp>
